--- a/Assignments/A08/4663_Encryption_Layer_Project.pptx
+++ b/Assignments/A08/4663_Encryption_Layer_Project.pptx
@@ -24,6 +24,9 @@
     <p:sldId id="258" r:id="rId18"/>
     <p:sldId id="282" r:id="rId19"/>
     <p:sldId id="283" r:id="rId20"/>
+    <p:sldId id="284" r:id="rId21"/>
+    <p:sldId id="285" r:id="rId22"/>
+    <p:sldId id="286" r:id="rId23"/>
   </p:sldIdLst>
   <p:sldSz cx="12192000" cy="6858000"/>
   <p:notesSz cx="6858000" cy="9144000"/>
@@ -180,7 +183,7 @@
           <a:noFill/>
           <a:extLst>
             <a:ext uri="{909E8E84-426E-40dd-AFC4-6F175D3DCCD1}">
-              <a14:hiddenFill xmlns:a14="http://schemas.microsoft.com/office/drawing/2010/main" xmlns="">
+              <a14:hiddenFill xmlns="" xmlns:a14="http://schemas.microsoft.com/office/drawing/2010/main">
                 <a:solidFill>
                   <a:srgbClr val="FFFFFF"/>
                 </a:solidFill>
@@ -240,7 +243,7 @@
             </a:ln>
             <a:extLst>
               <a:ext uri="{91240B29-F687-4f45-9708-019B960494DF}">
-                <a14:hiddenLine xmlns:a14="http://schemas.microsoft.com/office/drawing/2010/main" xmlns="" w="9525">
+                <a14:hiddenLine xmlns="" xmlns:a14="http://schemas.microsoft.com/office/drawing/2010/main" w="9525">
                   <a:solidFill>
                     <a:srgbClr val="000000"/>
                   </a:solidFill>
@@ -330,7 +333,7 @@
             </a:ln>
             <a:extLst>
               <a:ext uri="{91240B29-F687-4f45-9708-019B960494DF}">
-                <a14:hiddenLine xmlns:a14="http://schemas.microsoft.com/office/drawing/2010/main" xmlns="" w="9525">
+                <a14:hiddenLine xmlns="" xmlns:a14="http://schemas.microsoft.com/office/drawing/2010/main" w="9525">
                   <a:solidFill>
                     <a:srgbClr val="000000"/>
                   </a:solidFill>
@@ -420,7 +423,7 @@
             </a:ln>
             <a:extLst>
               <a:ext uri="{91240B29-F687-4f45-9708-019B960494DF}">
-                <a14:hiddenLine xmlns:a14="http://schemas.microsoft.com/office/drawing/2010/main" xmlns="" w="9525">
+                <a14:hiddenLine xmlns="" xmlns:a14="http://schemas.microsoft.com/office/drawing/2010/main" w="9525">
                   <a:solidFill>
                     <a:srgbClr val="000000"/>
                   </a:solidFill>
@@ -454,7 +457,7 @@
             </a:ln>
             <a:extLst>
               <a:ext uri="{91240B29-F687-4f45-9708-019B960494DF}">
-                <a14:hiddenLine xmlns:a14="http://schemas.microsoft.com/office/drawing/2010/main" xmlns="" w="9525">
+                <a14:hiddenLine xmlns="" xmlns:a14="http://schemas.microsoft.com/office/drawing/2010/main" w="9525">
                   <a:solidFill>
                     <a:srgbClr val="000000"/>
                   </a:solidFill>
@@ -544,7 +547,7 @@
             </a:ln>
             <a:extLst>
               <a:ext uri="{91240B29-F687-4f45-9708-019B960494DF}">
-                <a14:hiddenLine xmlns:a14="http://schemas.microsoft.com/office/drawing/2010/main" xmlns="" w="9525">
+                <a14:hiddenLine xmlns="" xmlns:a14="http://schemas.microsoft.com/office/drawing/2010/main" w="9525">
                   <a:solidFill>
                     <a:srgbClr val="000000"/>
                   </a:solidFill>
@@ -606,7 +609,7 @@
             </a:ln>
             <a:extLst>
               <a:ext uri="{91240B29-F687-4f45-9708-019B960494DF}">
-                <a14:hiddenLine xmlns:a14="http://schemas.microsoft.com/office/drawing/2010/main" xmlns="" w="9525">
+                <a14:hiddenLine xmlns="" xmlns:a14="http://schemas.microsoft.com/office/drawing/2010/main" w="9525">
                   <a:solidFill>
                     <a:srgbClr val="000000"/>
                   </a:solidFill>
@@ -668,7 +671,7 @@
             </a:ln>
             <a:extLst>
               <a:ext uri="{91240B29-F687-4f45-9708-019B960494DF}">
-                <a14:hiddenLine xmlns:a14="http://schemas.microsoft.com/office/drawing/2010/main" xmlns="" w="9525">
+                <a14:hiddenLine xmlns="" xmlns:a14="http://schemas.microsoft.com/office/drawing/2010/main" w="9525">
                   <a:solidFill>
                     <a:srgbClr val="000000"/>
                   </a:solidFill>
@@ -758,7 +761,7 @@
             </a:ln>
             <a:extLst>
               <a:ext uri="{91240B29-F687-4f45-9708-019B960494DF}">
-                <a14:hiddenLine xmlns:a14="http://schemas.microsoft.com/office/drawing/2010/main" xmlns="" w="9525">
+                <a14:hiddenLine xmlns="" xmlns:a14="http://schemas.microsoft.com/office/drawing/2010/main" w="9525">
                   <a:solidFill>
                     <a:srgbClr val="000000"/>
                   </a:solidFill>
@@ -820,7 +823,7 @@
             </a:ln>
             <a:extLst>
               <a:ext uri="{91240B29-F687-4f45-9708-019B960494DF}">
-                <a14:hiddenLine xmlns:a14="http://schemas.microsoft.com/office/drawing/2010/main" xmlns="" w="9525">
+                <a14:hiddenLine xmlns="" xmlns:a14="http://schemas.microsoft.com/office/drawing/2010/main" w="9525">
                   <a:solidFill>
                     <a:srgbClr val="000000"/>
                   </a:solidFill>
@@ -882,7 +885,7 @@
             </a:ln>
             <a:extLst>
               <a:ext uri="{91240B29-F687-4f45-9708-019B960494DF}">
-                <a14:hiddenLine xmlns:a14="http://schemas.microsoft.com/office/drawing/2010/main" xmlns="" w="9525">
+                <a14:hiddenLine xmlns="" xmlns:a14="http://schemas.microsoft.com/office/drawing/2010/main" w="9525">
                   <a:solidFill>
                     <a:srgbClr val="000000"/>
                   </a:solidFill>
@@ -972,7 +975,7 @@
             </a:ln>
             <a:extLst>
               <a:ext uri="{91240B29-F687-4f45-9708-019B960494DF}">
-                <a14:hiddenLine xmlns:a14="http://schemas.microsoft.com/office/drawing/2010/main" xmlns="" w="9525">
+                <a14:hiddenLine xmlns="" xmlns:a14="http://schemas.microsoft.com/office/drawing/2010/main" w="9525">
                   <a:solidFill>
                     <a:srgbClr val="000000"/>
                   </a:solidFill>
@@ -1062,7 +1065,7 @@
             </a:ln>
             <a:extLst>
               <a:ext uri="{91240B29-F687-4f45-9708-019B960494DF}">
-                <a14:hiddenLine xmlns:a14="http://schemas.microsoft.com/office/drawing/2010/main" xmlns="" w="9525">
+                <a14:hiddenLine xmlns="" xmlns:a14="http://schemas.microsoft.com/office/drawing/2010/main" w="9525">
                   <a:solidFill>
                     <a:srgbClr val="000000"/>
                   </a:solidFill>
@@ -1124,7 +1127,7 @@
             </a:ln>
             <a:extLst>
               <a:ext uri="{91240B29-F687-4f45-9708-019B960494DF}">
-                <a14:hiddenLine xmlns:a14="http://schemas.microsoft.com/office/drawing/2010/main" xmlns="" w="9525">
+                <a14:hiddenLine xmlns="" xmlns:a14="http://schemas.microsoft.com/office/drawing/2010/main" w="9525">
                   <a:solidFill>
                     <a:srgbClr val="000000"/>
                   </a:solidFill>
@@ -1234,7 +1237,7 @@
             </a:ln>
             <a:extLst>
               <a:ext uri="{91240B29-F687-4f45-9708-019B960494DF}">
-                <a14:hiddenLine xmlns:a14="http://schemas.microsoft.com/office/drawing/2010/main" xmlns="" w="9525">
+                <a14:hiddenLine xmlns="" xmlns:a14="http://schemas.microsoft.com/office/drawing/2010/main" w="9525">
                   <a:solidFill>
                     <a:srgbClr val="000000"/>
                   </a:solidFill>
@@ -1296,7 +1299,7 @@
             </a:ln>
             <a:extLst>
               <a:ext uri="{91240B29-F687-4f45-9708-019B960494DF}">
-                <a14:hiddenLine xmlns:a14="http://schemas.microsoft.com/office/drawing/2010/main" xmlns="" w="9525">
+                <a14:hiddenLine xmlns="" xmlns:a14="http://schemas.microsoft.com/office/drawing/2010/main" w="9525">
                   <a:solidFill>
                     <a:srgbClr val="000000"/>
                   </a:solidFill>
@@ -1386,7 +1389,7 @@
             </a:ln>
             <a:extLst>
               <a:ext uri="{91240B29-F687-4f45-9708-019B960494DF}">
-                <a14:hiddenLine xmlns:a14="http://schemas.microsoft.com/office/drawing/2010/main" xmlns="" w="9525">
+                <a14:hiddenLine xmlns="" xmlns:a14="http://schemas.microsoft.com/office/drawing/2010/main" w="9525">
                   <a:solidFill>
                     <a:srgbClr val="000000"/>
                   </a:solidFill>
@@ -1476,7 +1479,7 @@
             </a:ln>
             <a:extLst>
               <a:ext uri="{91240B29-F687-4f45-9708-019B960494DF}">
-                <a14:hiddenLine xmlns:a14="http://schemas.microsoft.com/office/drawing/2010/main" xmlns="" w="9525">
+                <a14:hiddenLine xmlns="" xmlns:a14="http://schemas.microsoft.com/office/drawing/2010/main" w="9525">
                   <a:solidFill>
                     <a:srgbClr val="000000"/>
                   </a:solidFill>
@@ -1538,7 +1541,7 @@
             </a:ln>
             <a:extLst>
               <a:ext uri="{91240B29-F687-4f45-9708-019B960494DF}">
-                <a14:hiddenLine xmlns:a14="http://schemas.microsoft.com/office/drawing/2010/main" xmlns="" w="9525">
+                <a14:hiddenLine xmlns="" xmlns:a14="http://schemas.microsoft.com/office/drawing/2010/main" w="9525">
                   <a:solidFill>
                     <a:srgbClr val="000000"/>
                   </a:solidFill>
@@ -1628,7 +1631,7 @@
             </a:ln>
             <a:extLst>
               <a:ext uri="{91240B29-F687-4f45-9708-019B960494DF}">
-                <a14:hiddenLine xmlns:a14="http://schemas.microsoft.com/office/drawing/2010/main" xmlns="" w="9525">
+                <a14:hiddenLine xmlns="" xmlns:a14="http://schemas.microsoft.com/office/drawing/2010/main" w="9525">
                   <a:solidFill>
                     <a:srgbClr val="000000"/>
                   </a:solidFill>
@@ -1718,7 +1721,7 @@
             </a:ln>
             <a:extLst>
               <a:ext uri="{91240B29-F687-4f45-9708-019B960494DF}">
-                <a14:hiddenLine xmlns:a14="http://schemas.microsoft.com/office/drawing/2010/main" xmlns="" w="9525">
+                <a14:hiddenLine xmlns="" xmlns:a14="http://schemas.microsoft.com/office/drawing/2010/main" w="9525">
                   <a:solidFill>
                     <a:srgbClr val="000000"/>
                   </a:solidFill>
@@ -1774,7 +1777,7 @@
             </a:ln>
             <a:extLst>
               <a:ext uri="{91240B29-F687-4f45-9708-019B960494DF}">
-                <a14:hiddenLine xmlns:a14="http://schemas.microsoft.com/office/drawing/2010/main" xmlns="" w="9525">
+                <a14:hiddenLine xmlns="" xmlns:a14="http://schemas.microsoft.com/office/drawing/2010/main" w="9525">
                   <a:solidFill>
                     <a:srgbClr val="000000"/>
                   </a:solidFill>
@@ -1864,7 +1867,7 @@
             </a:ln>
             <a:extLst>
               <a:ext uri="{91240B29-F687-4f45-9708-019B960494DF}">
-                <a14:hiddenLine xmlns:a14="http://schemas.microsoft.com/office/drawing/2010/main" xmlns="" w="9525">
+                <a14:hiddenLine xmlns="" xmlns:a14="http://schemas.microsoft.com/office/drawing/2010/main" w="9525">
                   <a:solidFill>
                     <a:srgbClr val="000000"/>
                   </a:solidFill>
@@ -1920,7 +1923,7 @@
             </a:ln>
             <a:extLst>
               <a:ext uri="{91240B29-F687-4f45-9708-019B960494DF}">
-                <a14:hiddenLine xmlns:a14="http://schemas.microsoft.com/office/drawing/2010/main" xmlns="" w="9525">
+                <a14:hiddenLine xmlns="" xmlns:a14="http://schemas.microsoft.com/office/drawing/2010/main" w="9525">
                   <a:solidFill>
                     <a:srgbClr val="000000"/>
                   </a:solidFill>
@@ -2010,7 +2013,7 @@
             </a:ln>
             <a:extLst>
               <a:ext uri="{91240B29-F687-4f45-9708-019B960494DF}">
-                <a14:hiddenLine xmlns:a14="http://schemas.microsoft.com/office/drawing/2010/main" xmlns="" w="9525">
+                <a14:hiddenLine xmlns="" xmlns:a14="http://schemas.microsoft.com/office/drawing/2010/main" w="9525">
                   <a:solidFill>
                     <a:srgbClr val="000000"/>
                   </a:solidFill>
@@ -2078,7 +2081,7 @@
             </a:ln>
             <a:extLst>
               <a:ext uri="{91240B29-F687-4f45-9708-019B960494DF}">
-                <a14:hiddenLine xmlns:a14="http://schemas.microsoft.com/office/drawing/2010/main" xmlns="" w="9525">
+                <a14:hiddenLine xmlns="" xmlns:a14="http://schemas.microsoft.com/office/drawing/2010/main" w="9525">
                   <a:solidFill>
                     <a:srgbClr val="000000"/>
                   </a:solidFill>
@@ -2168,7 +2171,7 @@
             </a:ln>
             <a:extLst>
               <a:ext uri="{91240B29-F687-4f45-9708-019B960494DF}">
-                <a14:hiddenLine xmlns:a14="http://schemas.microsoft.com/office/drawing/2010/main" xmlns="" w="9525">
+                <a14:hiddenLine xmlns="" xmlns:a14="http://schemas.microsoft.com/office/drawing/2010/main" w="9525">
                   <a:solidFill>
                     <a:srgbClr val="000000"/>
                   </a:solidFill>
@@ -2236,7 +2239,7 @@
             </a:ln>
             <a:extLst>
               <a:ext uri="{91240B29-F687-4f45-9708-019B960494DF}">
-                <a14:hiddenLine xmlns:a14="http://schemas.microsoft.com/office/drawing/2010/main" xmlns="" w="9525">
+                <a14:hiddenLine xmlns="" xmlns:a14="http://schemas.microsoft.com/office/drawing/2010/main" w="9525">
                   <a:solidFill>
                     <a:srgbClr val="000000"/>
                   </a:solidFill>
@@ -2326,7 +2329,7 @@
             </a:ln>
             <a:extLst>
               <a:ext uri="{91240B29-F687-4f45-9708-019B960494DF}">
-                <a14:hiddenLine xmlns:a14="http://schemas.microsoft.com/office/drawing/2010/main" xmlns="" w="9525">
+                <a14:hiddenLine xmlns="" xmlns:a14="http://schemas.microsoft.com/office/drawing/2010/main" w="9525">
                   <a:solidFill>
                     <a:srgbClr val="000000"/>
                   </a:solidFill>
@@ -2360,7 +2363,7 @@
             </a:ln>
             <a:extLst>
               <a:ext uri="{91240B29-F687-4f45-9708-019B960494DF}">
-                <a14:hiddenLine xmlns:a14="http://schemas.microsoft.com/office/drawing/2010/main" xmlns="" w="9525">
+                <a14:hiddenLine xmlns="" xmlns:a14="http://schemas.microsoft.com/office/drawing/2010/main" w="9525">
                   <a:solidFill>
                     <a:srgbClr val="000000"/>
                   </a:solidFill>
@@ -2450,7 +2453,7 @@
             </a:ln>
             <a:extLst>
               <a:ext uri="{91240B29-F687-4f45-9708-019B960494DF}">
-                <a14:hiddenLine xmlns:a14="http://schemas.microsoft.com/office/drawing/2010/main" xmlns="" w="9525">
+                <a14:hiddenLine xmlns="" xmlns:a14="http://schemas.microsoft.com/office/drawing/2010/main" w="9525">
                   <a:solidFill>
                     <a:srgbClr val="000000"/>
                   </a:solidFill>
@@ -2512,7 +2515,7 @@
             </a:ln>
             <a:extLst>
               <a:ext uri="{91240B29-F687-4f45-9708-019B960494DF}">
-                <a14:hiddenLine xmlns:a14="http://schemas.microsoft.com/office/drawing/2010/main" xmlns="" w="9525">
+                <a14:hiddenLine xmlns="" xmlns:a14="http://schemas.microsoft.com/office/drawing/2010/main" w="9525">
                   <a:solidFill>
                     <a:srgbClr val="000000"/>
                   </a:solidFill>
@@ -2574,7 +2577,7 @@
             </a:ln>
             <a:extLst>
               <a:ext uri="{91240B29-F687-4f45-9708-019B960494DF}">
-                <a14:hiddenLine xmlns:a14="http://schemas.microsoft.com/office/drawing/2010/main" xmlns="" w="9525">
+                <a14:hiddenLine xmlns="" xmlns:a14="http://schemas.microsoft.com/office/drawing/2010/main" w="9525">
                   <a:solidFill>
                     <a:srgbClr val="000000"/>
                   </a:solidFill>
@@ -2664,7 +2667,7 @@
             </a:ln>
             <a:extLst>
               <a:ext uri="{91240B29-F687-4f45-9708-019B960494DF}">
-                <a14:hiddenLine xmlns:a14="http://schemas.microsoft.com/office/drawing/2010/main" xmlns="" w="9525">
+                <a14:hiddenLine xmlns="" xmlns:a14="http://schemas.microsoft.com/office/drawing/2010/main" w="9525">
                   <a:solidFill>
                     <a:srgbClr val="000000"/>
                   </a:solidFill>
@@ -2732,7 +2735,7 @@
             </a:ln>
             <a:extLst>
               <a:ext uri="{91240B29-F687-4f45-9708-019B960494DF}">
-                <a14:hiddenLine xmlns:a14="http://schemas.microsoft.com/office/drawing/2010/main" xmlns="" w="9525">
+                <a14:hiddenLine xmlns="" xmlns:a14="http://schemas.microsoft.com/office/drawing/2010/main" w="9525">
                   <a:solidFill>
                     <a:srgbClr val="000000"/>
                   </a:solidFill>
@@ -2794,7 +2797,7 @@
             </a:ln>
             <a:extLst>
               <a:ext uri="{91240B29-F687-4f45-9708-019B960494DF}">
-                <a14:hiddenLine xmlns:a14="http://schemas.microsoft.com/office/drawing/2010/main" xmlns="" w="9525">
+                <a14:hiddenLine xmlns="" xmlns:a14="http://schemas.microsoft.com/office/drawing/2010/main" w="9525">
                   <a:solidFill>
                     <a:srgbClr val="000000"/>
                   </a:solidFill>
@@ -2884,7 +2887,7 @@
             </a:ln>
             <a:extLst>
               <a:ext uri="{91240B29-F687-4f45-9708-019B960494DF}">
-                <a14:hiddenLine xmlns:a14="http://schemas.microsoft.com/office/drawing/2010/main" xmlns="" w="9525">
+                <a14:hiddenLine xmlns="" xmlns:a14="http://schemas.microsoft.com/office/drawing/2010/main" w="9525">
                   <a:solidFill>
                     <a:srgbClr val="000000"/>
                   </a:solidFill>
@@ -2946,7 +2949,7 @@
             </a:ln>
             <a:extLst>
               <a:ext uri="{91240B29-F687-4f45-9708-019B960494DF}">
-                <a14:hiddenLine xmlns:a14="http://schemas.microsoft.com/office/drawing/2010/main" xmlns="" w="9525">
+                <a14:hiddenLine xmlns="" xmlns:a14="http://schemas.microsoft.com/office/drawing/2010/main" w="9525">
                   <a:solidFill>
                     <a:srgbClr val="000000"/>
                   </a:solidFill>
@@ -3036,7 +3039,7 @@
             </a:ln>
             <a:extLst>
               <a:ext uri="{91240B29-F687-4f45-9708-019B960494DF}">
-                <a14:hiddenLine xmlns:a14="http://schemas.microsoft.com/office/drawing/2010/main" xmlns="" w="9525">
+                <a14:hiddenLine xmlns="" xmlns:a14="http://schemas.microsoft.com/office/drawing/2010/main" w="9525">
                   <a:solidFill>
                     <a:srgbClr val="000000"/>
                   </a:solidFill>
@@ -3098,7 +3101,7 @@
             </a:ln>
             <a:extLst>
               <a:ext uri="{91240B29-F687-4f45-9708-019B960494DF}">
-                <a14:hiddenLine xmlns:a14="http://schemas.microsoft.com/office/drawing/2010/main" xmlns="" w="9525">
+                <a14:hiddenLine xmlns="" xmlns:a14="http://schemas.microsoft.com/office/drawing/2010/main" w="9525">
                   <a:solidFill>
                     <a:srgbClr val="000000"/>
                   </a:solidFill>
@@ -3188,7 +3191,7 @@
             </a:ln>
             <a:extLst>
               <a:ext uri="{91240B29-F687-4f45-9708-019B960494DF}">
-                <a14:hiddenLine xmlns:a14="http://schemas.microsoft.com/office/drawing/2010/main" xmlns="" w="9525">
+                <a14:hiddenLine xmlns="" xmlns:a14="http://schemas.microsoft.com/office/drawing/2010/main" w="9525">
                   <a:solidFill>
                     <a:srgbClr val="000000"/>
                   </a:solidFill>
@@ -3222,7 +3225,7 @@
             </a:ln>
             <a:extLst>
               <a:ext uri="{91240B29-F687-4f45-9708-019B960494DF}">
-                <a14:hiddenLine xmlns:a14="http://schemas.microsoft.com/office/drawing/2010/main" xmlns="" w="9525">
+                <a14:hiddenLine xmlns="" xmlns:a14="http://schemas.microsoft.com/office/drawing/2010/main" w="9525">
                   <a:solidFill>
                     <a:srgbClr val="000000"/>
                   </a:solidFill>
@@ -3287,7 +3290,7 @@
             </a:ln>
             <a:extLst>
               <a:ext uri="{91240B29-F687-4f45-9708-019B960494DF}">
-                <a14:hiddenLine xmlns:a14="http://schemas.microsoft.com/office/drawing/2010/main" xmlns="" w="9525">
+                <a14:hiddenLine xmlns="" xmlns:a14="http://schemas.microsoft.com/office/drawing/2010/main" w="9525">
                   <a:solidFill>
                     <a:srgbClr val="000000"/>
                   </a:solidFill>
@@ -3377,7 +3380,7 @@
             </a:ln>
             <a:extLst>
               <a:ext uri="{91240B29-F687-4f45-9708-019B960494DF}">
-                <a14:hiddenLine xmlns:a14="http://schemas.microsoft.com/office/drawing/2010/main" xmlns="" w="9525">
+                <a14:hiddenLine xmlns="" xmlns:a14="http://schemas.microsoft.com/office/drawing/2010/main" w="9525">
                   <a:solidFill>
                     <a:srgbClr val="000000"/>
                   </a:solidFill>
@@ -3439,7 +3442,7 @@
             </a:ln>
             <a:extLst>
               <a:ext uri="{91240B29-F687-4f45-9708-019B960494DF}">
-                <a14:hiddenLine xmlns:a14="http://schemas.microsoft.com/office/drawing/2010/main" xmlns="" w="9525">
+                <a14:hiddenLine xmlns="" xmlns:a14="http://schemas.microsoft.com/office/drawing/2010/main" w="9525">
                   <a:solidFill>
                     <a:srgbClr val="000000"/>
                   </a:solidFill>
@@ -3529,7 +3532,7 @@
             </a:ln>
             <a:extLst>
               <a:ext uri="{91240B29-F687-4f45-9708-019B960494DF}">
-                <a14:hiddenLine xmlns:a14="http://schemas.microsoft.com/office/drawing/2010/main" xmlns="" w="9525">
+                <a14:hiddenLine xmlns="" xmlns:a14="http://schemas.microsoft.com/office/drawing/2010/main" w="9525">
                   <a:solidFill>
                     <a:srgbClr val="000000"/>
                   </a:solidFill>
@@ -3619,7 +3622,7 @@
             </a:ln>
             <a:extLst>
               <a:ext uri="{91240B29-F687-4f45-9708-019B960494DF}">
-                <a14:hiddenLine xmlns:a14="http://schemas.microsoft.com/office/drawing/2010/main" xmlns="" w="9525">
+                <a14:hiddenLine xmlns="" xmlns:a14="http://schemas.microsoft.com/office/drawing/2010/main" w="9525">
                   <a:solidFill>
                     <a:srgbClr val="000000"/>
                   </a:solidFill>
@@ -3684,7 +3687,7 @@
             </a:ln>
             <a:extLst>
               <a:ext uri="{91240B29-F687-4f45-9708-019B960494DF}">
-                <a14:hiddenLine xmlns:a14="http://schemas.microsoft.com/office/drawing/2010/main" xmlns="" w="9525">
+                <a14:hiddenLine xmlns="" xmlns:a14="http://schemas.microsoft.com/office/drawing/2010/main" w="9525">
                   <a:solidFill>
                     <a:srgbClr val="000000"/>
                   </a:solidFill>
@@ -3746,7 +3749,7 @@
             </a:ln>
             <a:extLst>
               <a:ext uri="{91240B29-F687-4f45-9708-019B960494DF}">
-                <a14:hiddenLine xmlns:a14="http://schemas.microsoft.com/office/drawing/2010/main" xmlns="" w="9525">
+                <a14:hiddenLine xmlns="" xmlns:a14="http://schemas.microsoft.com/office/drawing/2010/main" w="9525">
                   <a:solidFill>
                     <a:srgbClr val="000000"/>
                   </a:solidFill>
@@ -3836,7 +3839,7 @@
             </a:ln>
             <a:extLst>
               <a:ext uri="{91240B29-F687-4f45-9708-019B960494DF}">
-                <a14:hiddenLine xmlns:a14="http://schemas.microsoft.com/office/drawing/2010/main" xmlns="" w="9525">
+                <a14:hiddenLine xmlns="" xmlns:a14="http://schemas.microsoft.com/office/drawing/2010/main" w="9525">
                   <a:solidFill>
                     <a:srgbClr val="000000"/>
                   </a:solidFill>
@@ -3926,7 +3929,7 @@
             </a:ln>
             <a:extLst>
               <a:ext uri="{91240B29-F687-4f45-9708-019B960494DF}">
-                <a14:hiddenLine xmlns:a14="http://schemas.microsoft.com/office/drawing/2010/main" xmlns="" w="9525">
+                <a14:hiddenLine xmlns="" xmlns:a14="http://schemas.microsoft.com/office/drawing/2010/main" w="9525">
                   <a:solidFill>
                     <a:srgbClr val="000000"/>
                   </a:solidFill>
@@ -3988,7 +3991,7 @@
             </a:ln>
             <a:extLst>
               <a:ext uri="{91240B29-F687-4f45-9708-019B960494DF}">
-                <a14:hiddenLine xmlns:a14="http://schemas.microsoft.com/office/drawing/2010/main" xmlns="" w="9525">
+                <a14:hiddenLine xmlns="" xmlns:a14="http://schemas.microsoft.com/office/drawing/2010/main" w="9525">
                   <a:solidFill>
                     <a:srgbClr val="000000"/>
                   </a:solidFill>
@@ -4108,7 +4111,7 @@
             </a:ln>
             <a:extLst>
               <a:ext uri="{91240B29-F687-4f45-9708-019B960494DF}">
-                <a14:hiddenLine xmlns:a14="http://schemas.microsoft.com/office/drawing/2010/main" xmlns="" w="9525">
+                <a14:hiddenLine xmlns="" xmlns:a14="http://schemas.microsoft.com/office/drawing/2010/main" w="9525">
                   <a:solidFill>
                     <a:srgbClr val="000000"/>
                   </a:solidFill>
@@ -4176,7 +4179,7 @@
             </a:ln>
             <a:extLst>
               <a:ext uri="{91240B29-F687-4f45-9708-019B960494DF}">
-                <a14:hiddenLine xmlns:a14="http://schemas.microsoft.com/office/drawing/2010/main" xmlns="" w="9525">
+                <a14:hiddenLine xmlns="" xmlns:a14="http://schemas.microsoft.com/office/drawing/2010/main" w="9525">
                   <a:solidFill>
                     <a:srgbClr val="000000"/>
                   </a:solidFill>
@@ -4266,7 +4269,7 @@
             </a:ln>
             <a:extLst>
               <a:ext uri="{91240B29-F687-4f45-9708-019B960494DF}">
-                <a14:hiddenLine xmlns:a14="http://schemas.microsoft.com/office/drawing/2010/main" xmlns="" w="9525">
+                <a14:hiddenLine xmlns="" xmlns:a14="http://schemas.microsoft.com/office/drawing/2010/main" w="9525">
                   <a:solidFill>
                     <a:srgbClr val="000000"/>
                   </a:solidFill>
@@ -4406,7 +4409,7 @@
           <a:p>
             <a:fld id="{48A87A34-81AB-432B-8DAE-1953F412C126}" type="datetimeFigureOut">
               <a:rPr lang="en-US" dirty="0"/>
-              <a:t>11/3/20</a:t>
+              <a:t>11/5/20</a:t>
             </a:fld>
             <a:endParaRPr lang="en-US" dirty="0"/>
           </a:p>
@@ -4668,7 +4671,7 @@
           <a:p>
             <a:fld id="{48A87A34-81AB-432B-8DAE-1953F412C126}" type="datetimeFigureOut">
               <a:rPr lang="en-US" dirty="0"/>
-              <a:t>11/3/20</a:t>
+              <a:t>11/5/20</a:t>
             </a:fld>
             <a:endParaRPr lang="en-US" dirty="0"/>
           </a:p>
@@ -4859,7 +4862,7 @@
           <a:p>
             <a:fld id="{48A87A34-81AB-432B-8DAE-1953F412C126}" type="datetimeFigureOut">
               <a:rPr lang="en-US" dirty="0"/>
-              <a:t>11/3/20</a:t>
+              <a:t>11/5/20</a:t>
             </a:fld>
             <a:endParaRPr lang="en-US" dirty="0"/>
           </a:p>
@@ -5117,7 +5120,7 @@
           <a:p>
             <a:fld id="{48A87A34-81AB-432B-8DAE-1953F412C126}" type="datetimeFigureOut">
               <a:rPr lang="en-US" dirty="0"/>
-              <a:t>11/3/20</a:t>
+              <a:t>11/5/20</a:t>
             </a:fld>
             <a:endParaRPr lang="en-US" dirty="0"/>
           </a:p>
@@ -5546,7 +5549,7 @@
           <a:p>
             <a:fld id="{48A87A34-81AB-432B-8DAE-1953F412C126}" type="datetimeFigureOut">
               <a:rPr lang="en-US" dirty="0"/>
-              <a:t>11/3/20</a:t>
+              <a:t>11/5/20</a:t>
             </a:fld>
             <a:endParaRPr lang="en-US" dirty="0"/>
           </a:p>
@@ -6087,7 +6090,7 @@
           <a:p>
             <a:fld id="{48A87A34-81AB-432B-8DAE-1953F412C126}" type="datetimeFigureOut">
               <a:rPr lang="en-US" dirty="0"/>
-              <a:t>11/3/20</a:t>
+              <a:t>11/5/20</a:t>
             </a:fld>
             <a:endParaRPr lang="en-US" dirty="0"/>
           </a:p>
@@ -6802,7 +6805,7 @@
           <a:p>
             <a:fld id="{48A87A34-81AB-432B-8DAE-1953F412C126}" type="datetimeFigureOut">
               <a:rPr lang="en-US" dirty="0"/>
-              <a:t>11/3/20</a:t>
+              <a:t>11/5/20</a:t>
             </a:fld>
             <a:endParaRPr lang="en-US" dirty="0"/>
           </a:p>
@@ -6967,7 +6970,7 @@
           <a:p>
             <a:fld id="{48A87A34-81AB-432B-8DAE-1953F412C126}" type="datetimeFigureOut">
               <a:rPr lang="en-US" dirty="0"/>
-              <a:t>11/3/20</a:t>
+              <a:t>11/5/20</a:t>
             </a:fld>
             <a:endParaRPr lang="en-US" dirty="0"/>
           </a:p>
@@ -7142,7 +7145,7 @@
           <a:p>
             <a:fld id="{48A87A34-81AB-432B-8DAE-1953F412C126}" type="datetimeFigureOut">
               <a:rPr lang="en-US" dirty="0"/>
-              <a:t>11/3/20</a:t>
+              <a:t>11/5/20</a:t>
             </a:fld>
             <a:endParaRPr lang="en-US" dirty="0"/>
           </a:p>
@@ -7307,7 +7310,7 @@
           <a:p>
             <a:fld id="{48A87A34-81AB-432B-8DAE-1953F412C126}" type="datetimeFigureOut">
               <a:rPr lang="en-US" dirty="0"/>
-              <a:t>11/3/20</a:t>
+              <a:t>11/5/20</a:t>
             </a:fld>
             <a:endParaRPr lang="en-US" dirty="0"/>
           </a:p>
@@ -7552,7 +7555,7 @@
           <a:p>
             <a:fld id="{48A87A34-81AB-432B-8DAE-1953F412C126}" type="datetimeFigureOut">
               <a:rPr lang="en-US" dirty="0"/>
-              <a:t>11/3/20</a:t>
+              <a:t>11/5/20</a:t>
             </a:fld>
             <a:endParaRPr lang="en-US" dirty="0"/>
           </a:p>
@@ -7779,7 +7782,7 @@
           <a:p>
             <a:fld id="{48A87A34-81AB-432B-8DAE-1953F412C126}" type="datetimeFigureOut">
               <a:rPr lang="en-US" dirty="0"/>
-              <a:t>11/3/20</a:t>
+              <a:t>11/5/20</a:t>
             </a:fld>
             <a:endParaRPr lang="en-US" dirty="0"/>
           </a:p>
@@ -8155,7 +8158,7 @@
           <a:p>
             <a:fld id="{48A87A34-81AB-432B-8DAE-1953F412C126}" type="datetimeFigureOut">
               <a:rPr lang="en-US" dirty="0"/>
-              <a:t>11/3/20</a:t>
+              <a:t>11/5/20</a:t>
             </a:fld>
             <a:endParaRPr lang="en-US" dirty="0"/>
           </a:p>
@@ -8268,7 +8271,7 @@
           <a:p>
             <a:fld id="{48A87A34-81AB-432B-8DAE-1953F412C126}" type="datetimeFigureOut">
               <a:rPr lang="en-US" dirty="0"/>
-              <a:t>11/3/20</a:t>
+              <a:t>11/5/20</a:t>
             </a:fld>
             <a:endParaRPr lang="en-US" dirty="0"/>
           </a:p>
@@ -8358,7 +8361,7 @@
           <a:p>
             <a:fld id="{48A87A34-81AB-432B-8DAE-1953F412C126}" type="datetimeFigureOut">
               <a:rPr lang="en-US" dirty="0"/>
-              <a:t>11/3/20</a:t>
+              <a:t>11/5/20</a:t>
             </a:fld>
             <a:endParaRPr lang="en-US" dirty="0"/>
           </a:p>
@@ -8602,7 +8605,7 @@
           <a:p>
             <a:fld id="{48A87A34-81AB-432B-8DAE-1953F412C126}" type="datetimeFigureOut">
               <a:rPr lang="en-US" dirty="0"/>
-              <a:t>11/3/20</a:t>
+              <a:t>11/5/20</a:t>
             </a:fld>
             <a:endParaRPr lang="en-US" dirty="0"/>
           </a:p>
@@ -8877,7 +8880,7 @@
           <a:p>
             <a:fld id="{48A87A34-81AB-432B-8DAE-1953F412C126}" type="datetimeFigureOut">
               <a:rPr lang="en-US" dirty="0"/>
-              <a:t>11/3/20</a:t>
+              <a:t>11/5/20</a:t>
             </a:fld>
             <a:endParaRPr lang="en-US" dirty="0"/>
           </a:p>
@@ -8988,7 +8991,7 @@
           <a:noFill/>
           <a:extLst>
             <a:ext uri="{909E8E84-426E-40dd-AFC4-6F175D3DCCD1}">
-              <a14:hiddenFill xmlns:a14="http://schemas.microsoft.com/office/drawing/2010/main" xmlns="">
+              <a14:hiddenFill xmlns="" xmlns:a14="http://schemas.microsoft.com/office/drawing/2010/main">
                 <a:solidFill>
                   <a:srgbClr val="FFFFFF"/>
                 </a:solidFill>
@@ -9062,7 +9065,7 @@
               </a:ln>
               <a:extLst>
                 <a:ext uri="{91240B29-F687-4f45-9708-019B960494DF}">
-                  <a14:hiddenLine xmlns:a14="http://schemas.microsoft.com/office/drawing/2010/main" xmlns="" w="9525">
+                  <a14:hiddenLine xmlns="" xmlns:a14="http://schemas.microsoft.com/office/drawing/2010/main" w="9525">
                     <a:solidFill>
                       <a:srgbClr val="000000"/>
                     </a:solidFill>
@@ -9152,7 +9155,7 @@
               </a:ln>
               <a:extLst>
                 <a:ext uri="{91240B29-F687-4f45-9708-019B960494DF}">
-                  <a14:hiddenLine xmlns:a14="http://schemas.microsoft.com/office/drawing/2010/main" xmlns="" w="9525">
+                  <a14:hiddenLine xmlns="" xmlns:a14="http://schemas.microsoft.com/office/drawing/2010/main" w="9525">
                     <a:solidFill>
                       <a:srgbClr val="000000"/>
                     </a:solidFill>
@@ -9242,7 +9245,7 @@
               </a:ln>
               <a:extLst>
                 <a:ext uri="{91240B29-F687-4f45-9708-019B960494DF}">
-                  <a14:hiddenLine xmlns:a14="http://schemas.microsoft.com/office/drawing/2010/main" xmlns="" w="9525">
+                  <a14:hiddenLine xmlns="" xmlns:a14="http://schemas.microsoft.com/office/drawing/2010/main" w="9525">
                     <a:solidFill>
                       <a:srgbClr val="000000"/>
                     </a:solidFill>
@@ -9304,7 +9307,7 @@
               </a:ln>
               <a:extLst>
                 <a:ext uri="{91240B29-F687-4f45-9708-019B960494DF}">
-                  <a14:hiddenLine xmlns:a14="http://schemas.microsoft.com/office/drawing/2010/main" xmlns="" w="9525">
+                  <a14:hiddenLine xmlns="" xmlns:a14="http://schemas.microsoft.com/office/drawing/2010/main" w="9525">
                     <a:solidFill>
                       <a:srgbClr val="000000"/>
                     </a:solidFill>
@@ -9394,7 +9397,7 @@
               </a:ln>
               <a:extLst>
                 <a:ext uri="{91240B29-F687-4f45-9708-019B960494DF}">
-                  <a14:hiddenLine xmlns:a14="http://schemas.microsoft.com/office/drawing/2010/main" xmlns="" w="9525">
+                  <a14:hiddenLine xmlns="" xmlns:a14="http://schemas.microsoft.com/office/drawing/2010/main" w="9525">
                     <a:solidFill>
                       <a:srgbClr val="000000"/>
                     </a:solidFill>
@@ -9456,7 +9459,7 @@
               </a:ln>
               <a:extLst>
                 <a:ext uri="{91240B29-F687-4f45-9708-019B960494DF}">
-                  <a14:hiddenLine xmlns:a14="http://schemas.microsoft.com/office/drawing/2010/main" xmlns="" w="9525">
+                  <a14:hiddenLine xmlns="" xmlns:a14="http://schemas.microsoft.com/office/drawing/2010/main" w="9525">
                     <a:solidFill>
                       <a:srgbClr val="000000"/>
                     </a:solidFill>
@@ -9518,7 +9521,7 @@
               </a:ln>
               <a:extLst>
                 <a:ext uri="{91240B29-F687-4f45-9708-019B960494DF}">
-                  <a14:hiddenLine xmlns:a14="http://schemas.microsoft.com/office/drawing/2010/main" xmlns="" w="9525">
+                  <a14:hiddenLine xmlns="" xmlns:a14="http://schemas.microsoft.com/office/drawing/2010/main" w="9525">
                     <a:solidFill>
                       <a:srgbClr val="000000"/>
                     </a:solidFill>
@@ -9608,7 +9611,7 @@
               </a:ln>
               <a:extLst>
                 <a:ext uri="{91240B29-F687-4f45-9708-019B960494DF}">
-                  <a14:hiddenLine xmlns:a14="http://schemas.microsoft.com/office/drawing/2010/main" xmlns="" w="9525">
+                  <a14:hiddenLine xmlns="" xmlns:a14="http://schemas.microsoft.com/office/drawing/2010/main" w="9525">
                     <a:solidFill>
                       <a:srgbClr val="000000"/>
                     </a:solidFill>
@@ -9698,7 +9701,7 @@
               </a:ln>
               <a:extLst>
                 <a:ext uri="{91240B29-F687-4f45-9708-019B960494DF}">
-                  <a14:hiddenLine xmlns:a14="http://schemas.microsoft.com/office/drawing/2010/main" xmlns="" w="9525">
+                  <a14:hiddenLine xmlns="" xmlns:a14="http://schemas.microsoft.com/office/drawing/2010/main" w="9525">
                     <a:solidFill>
                       <a:srgbClr val="000000"/>
                     </a:solidFill>
@@ -9760,7 +9763,7 @@
               </a:ln>
               <a:extLst>
                 <a:ext uri="{91240B29-F687-4f45-9708-019B960494DF}">
-                  <a14:hiddenLine xmlns:a14="http://schemas.microsoft.com/office/drawing/2010/main" xmlns="" w="9525">
+                  <a14:hiddenLine xmlns="" xmlns:a14="http://schemas.microsoft.com/office/drawing/2010/main" w="9525">
                     <a:solidFill>
                       <a:srgbClr val="000000"/>
                     </a:solidFill>
@@ -9870,7 +9873,7 @@
               </a:ln>
               <a:extLst>
                 <a:ext uri="{91240B29-F687-4f45-9708-019B960494DF}">
-                  <a14:hiddenLine xmlns:a14="http://schemas.microsoft.com/office/drawing/2010/main" xmlns="" w="9525">
+                  <a14:hiddenLine xmlns="" xmlns:a14="http://schemas.microsoft.com/office/drawing/2010/main" w="9525">
                     <a:solidFill>
                       <a:srgbClr val="000000"/>
                     </a:solidFill>
@@ -9954,7 +9957,7 @@
               </a:ln>
               <a:extLst>
                 <a:ext uri="{91240B29-F687-4f45-9708-019B960494DF}">
-                  <a14:hiddenLine xmlns:a14="http://schemas.microsoft.com/office/drawing/2010/main" xmlns="" w="9525">
+                  <a14:hiddenLine xmlns="" xmlns:a14="http://schemas.microsoft.com/office/drawing/2010/main" w="9525">
                     <a:solidFill>
                       <a:srgbClr val="000000"/>
                     </a:solidFill>
@@ -10016,7 +10019,7 @@
               </a:ln>
               <a:extLst>
                 <a:ext uri="{91240B29-F687-4f45-9708-019B960494DF}">
-                  <a14:hiddenLine xmlns:a14="http://schemas.microsoft.com/office/drawing/2010/main" xmlns="" w="9525">
+                  <a14:hiddenLine xmlns="" xmlns:a14="http://schemas.microsoft.com/office/drawing/2010/main" w="9525">
                     <a:solidFill>
                       <a:srgbClr val="000000"/>
                     </a:solidFill>
@@ -10078,7 +10081,7 @@
               </a:ln>
               <a:extLst>
                 <a:ext uri="{91240B29-F687-4f45-9708-019B960494DF}">
-                  <a14:hiddenLine xmlns:a14="http://schemas.microsoft.com/office/drawing/2010/main" xmlns="" w="9525">
+                  <a14:hiddenLine xmlns="" xmlns:a14="http://schemas.microsoft.com/office/drawing/2010/main" w="9525">
                     <a:solidFill>
                       <a:srgbClr val="000000"/>
                     </a:solidFill>
@@ -10168,7 +10171,7 @@
               </a:ln>
               <a:extLst>
                 <a:ext uri="{91240B29-F687-4f45-9708-019B960494DF}">
-                  <a14:hiddenLine xmlns:a14="http://schemas.microsoft.com/office/drawing/2010/main" xmlns="" w="9525">
+                  <a14:hiddenLine xmlns="" xmlns:a14="http://schemas.microsoft.com/office/drawing/2010/main" w="9525">
                     <a:solidFill>
                       <a:srgbClr val="000000"/>
                     </a:solidFill>
@@ -10202,7 +10205,7 @@
               </a:ln>
               <a:extLst>
                 <a:ext uri="{91240B29-F687-4f45-9708-019B960494DF}">
-                  <a14:hiddenLine xmlns:a14="http://schemas.microsoft.com/office/drawing/2010/main" xmlns="" w="9525">
+                  <a14:hiddenLine xmlns="" xmlns:a14="http://schemas.microsoft.com/office/drawing/2010/main" w="9525">
                     <a:solidFill>
                       <a:srgbClr val="000000"/>
                     </a:solidFill>
@@ -10267,7 +10270,7 @@
               </a:ln>
               <a:extLst>
                 <a:ext uri="{91240B29-F687-4f45-9708-019B960494DF}">
-                  <a14:hiddenLine xmlns:a14="http://schemas.microsoft.com/office/drawing/2010/main" xmlns="" w="9525">
+                  <a14:hiddenLine xmlns="" xmlns:a14="http://schemas.microsoft.com/office/drawing/2010/main" w="9525">
                     <a:solidFill>
                       <a:srgbClr val="000000"/>
                     </a:solidFill>
@@ -10357,7 +10360,7 @@
               </a:ln>
               <a:extLst>
                 <a:ext uri="{91240B29-F687-4f45-9708-019B960494DF}">
-                  <a14:hiddenLine xmlns:a14="http://schemas.microsoft.com/office/drawing/2010/main" xmlns="" w="9525">
+                  <a14:hiddenLine xmlns="" xmlns:a14="http://schemas.microsoft.com/office/drawing/2010/main" w="9525">
                     <a:solidFill>
                       <a:srgbClr val="000000"/>
                     </a:solidFill>
@@ -10419,7 +10422,7 @@
               </a:ln>
               <a:extLst>
                 <a:ext uri="{91240B29-F687-4f45-9708-019B960494DF}">
-                  <a14:hiddenLine xmlns:a14="http://schemas.microsoft.com/office/drawing/2010/main" xmlns="" w="9525">
+                  <a14:hiddenLine xmlns="" xmlns:a14="http://schemas.microsoft.com/office/drawing/2010/main" w="9525">
                     <a:solidFill>
                       <a:srgbClr val="000000"/>
                     </a:solidFill>
@@ -10509,7 +10512,7 @@
               </a:ln>
               <a:extLst>
                 <a:ext uri="{91240B29-F687-4f45-9708-019B960494DF}">
-                  <a14:hiddenLine xmlns:a14="http://schemas.microsoft.com/office/drawing/2010/main" xmlns="" w="9525">
+                  <a14:hiddenLine xmlns="" xmlns:a14="http://schemas.microsoft.com/office/drawing/2010/main" w="9525">
                     <a:solidFill>
                       <a:srgbClr val="000000"/>
                     </a:solidFill>
@@ -10574,7 +10577,7 @@
               </a:ln>
               <a:extLst>
                 <a:ext uri="{91240B29-F687-4f45-9708-019B960494DF}">
-                  <a14:hiddenLine xmlns:a14="http://schemas.microsoft.com/office/drawing/2010/main" xmlns="" w="9525">
+                  <a14:hiddenLine xmlns="" xmlns:a14="http://schemas.microsoft.com/office/drawing/2010/main" w="9525">
                     <a:solidFill>
                       <a:srgbClr val="000000"/>
                     </a:solidFill>
@@ -10636,7 +10639,7 @@
               </a:ln>
               <a:extLst>
                 <a:ext uri="{91240B29-F687-4f45-9708-019B960494DF}">
-                  <a14:hiddenLine xmlns:a14="http://schemas.microsoft.com/office/drawing/2010/main" xmlns="" w="9525">
+                  <a14:hiddenLine xmlns="" xmlns:a14="http://schemas.microsoft.com/office/drawing/2010/main" w="9525">
                     <a:solidFill>
                       <a:srgbClr val="000000"/>
                     </a:solidFill>
@@ -10726,7 +10729,7 @@
               </a:ln>
               <a:extLst>
                 <a:ext uri="{91240B29-F687-4f45-9708-019B960494DF}">
-                  <a14:hiddenLine xmlns:a14="http://schemas.microsoft.com/office/drawing/2010/main" xmlns="" w="9525">
+                  <a14:hiddenLine xmlns="" xmlns:a14="http://schemas.microsoft.com/office/drawing/2010/main" w="9525">
                     <a:solidFill>
                       <a:srgbClr val="000000"/>
                     </a:solidFill>
@@ -10816,7 +10819,7 @@
               </a:ln>
               <a:extLst>
                 <a:ext uri="{91240B29-F687-4f45-9708-019B960494DF}">
-                  <a14:hiddenLine xmlns:a14="http://schemas.microsoft.com/office/drawing/2010/main" xmlns="" w="9525">
+                  <a14:hiddenLine xmlns="" xmlns:a14="http://schemas.microsoft.com/office/drawing/2010/main" w="9525">
                     <a:solidFill>
                       <a:srgbClr val="000000"/>
                     </a:solidFill>
@@ -10881,7 +10884,7 @@
               </a:ln>
               <a:extLst>
                 <a:ext uri="{91240B29-F687-4f45-9708-019B960494DF}">
-                  <a14:hiddenLine xmlns:a14="http://schemas.microsoft.com/office/drawing/2010/main" xmlns="" w="9525">
+                  <a14:hiddenLine xmlns="" xmlns:a14="http://schemas.microsoft.com/office/drawing/2010/main" w="9525">
                     <a:solidFill>
                       <a:srgbClr val="000000"/>
                     </a:solidFill>
@@ -11001,7 +11004,7 @@
               </a:ln>
               <a:extLst>
                 <a:ext uri="{91240B29-F687-4f45-9708-019B960494DF}">
-                  <a14:hiddenLine xmlns:a14="http://schemas.microsoft.com/office/drawing/2010/main" xmlns="" w="9525">
+                  <a14:hiddenLine xmlns="" xmlns:a14="http://schemas.microsoft.com/office/drawing/2010/main" w="9525">
                     <a:solidFill>
                       <a:srgbClr val="000000"/>
                     </a:solidFill>
@@ -11099,7 +11102,7 @@
               </a:ln>
               <a:extLst>
                 <a:ext uri="{91240B29-F687-4f45-9708-019B960494DF}">
-                  <a14:hiddenLine xmlns:a14="http://schemas.microsoft.com/office/drawing/2010/main" xmlns="" w="9525">
+                  <a14:hiddenLine xmlns="" xmlns:a14="http://schemas.microsoft.com/office/drawing/2010/main" w="9525">
                     <a:solidFill>
                       <a:srgbClr val="000000"/>
                     </a:solidFill>
@@ -11214,7 +11217,7 @@
               </a:ln>
               <a:extLst>
                 <a:ext uri="{91240B29-F687-4f45-9708-019B960494DF}">
-                  <a14:hiddenLine xmlns:a14="http://schemas.microsoft.com/office/drawing/2010/main" xmlns="" w="9525">
+                  <a14:hiddenLine xmlns="" xmlns:a14="http://schemas.microsoft.com/office/drawing/2010/main" w="9525">
                     <a:solidFill>
                       <a:srgbClr val="000000"/>
                     </a:solidFill>
@@ -11304,7 +11307,7 @@
               </a:ln>
               <a:extLst>
                 <a:ext uri="{91240B29-F687-4f45-9708-019B960494DF}">
-                  <a14:hiddenLine xmlns:a14="http://schemas.microsoft.com/office/drawing/2010/main" xmlns="" w="9525">
+                  <a14:hiddenLine xmlns="" xmlns:a14="http://schemas.microsoft.com/office/drawing/2010/main" w="9525">
                     <a:solidFill>
                       <a:srgbClr val="000000"/>
                     </a:solidFill>
@@ -11369,7 +11372,7 @@
               </a:ln>
               <a:extLst>
                 <a:ext uri="{91240B29-F687-4f45-9708-019B960494DF}">
-                  <a14:hiddenLine xmlns:a14="http://schemas.microsoft.com/office/drawing/2010/main" xmlns="" w="9525">
+                  <a14:hiddenLine xmlns="" xmlns:a14="http://schemas.microsoft.com/office/drawing/2010/main" w="9525">
                     <a:solidFill>
                       <a:srgbClr val="000000"/>
                     </a:solidFill>
@@ -11459,7 +11462,7 @@
               </a:ln>
               <a:extLst>
                 <a:ext uri="{91240B29-F687-4f45-9708-019B960494DF}">
-                  <a14:hiddenLine xmlns:a14="http://schemas.microsoft.com/office/drawing/2010/main" xmlns="" w="9525">
+                  <a14:hiddenLine xmlns="" xmlns:a14="http://schemas.microsoft.com/office/drawing/2010/main" w="9525">
                     <a:solidFill>
                       <a:srgbClr val="000000"/>
                     </a:solidFill>
@@ -11527,7 +11530,7 @@
               </a:ln>
               <a:extLst>
                 <a:ext uri="{91240B29-F687-4f45-9708-019B960494DF}">
-                  <a14:hiddenLine xmlns:a14="http://schemas.microsoft.com/office/drawing/2010/main" xmlns="" w="9525">
+                  <a14:hiddenLine xmlns="" xmlns:a14="http://schemas.microsoft.com/office/drawing/2010/main" w="9525">
                     <a:solidFill>
                       <a:srgbClr val="000000"/>
                     </a:solidFill>
@@ -11617,7 +11620,7 @@
               </a:ln>
               <a:extLst>
                 <a:ext uri="{91240B29-F687-4f45-9708-019B960494DF}">
-                  <a14:hiddenLine xmlns:a14="http://schemas.microsoft.com/office/drawing/2010/main" xmlns="" w="9525">
+                  <a14:hiddenLine xmlns="" xmlns:a14="http://schemas.microsoft.com/office/drawing/2010/main" w="9525">
                     <a:solidFill>
                       <a:srgbClr val="000000"/>
                     </a:solidFill>
@@ -11685,7 +11688,7 @@
               </a:ln>
               <a:extLst>
                 <a:ext uri="{91240B29-F687-4f45-9708-019B960494DF}">
-                  <a14:hiddenLine xmlns:a14="http://schemas.microsoft.com/office/drawing/2010/main" xmlns="" w="9525">
+                  <a14:hiddenLine xmlns="" xmlns:a14="http://schemas.microsoft.com/office/drawing/2010/main" w="9525">
                     <a:solidFill>
                       <a:srgbClr val="000000"/>
                     </a:solidFill>
@@ -11775,7 +11778,7 @@
               </a:ln>
               <a:extLst>
                 <a:ext uri="{91240B29-F687-4f45-9708-019B960494DF}">
-                  <a14:hiddenLine xmlns:a14="http://schemas.microsoft.com/office/drawing/2010/main" xmlns="" w="9525">
+                  <a14:hiddenLine xmlns="" xmlns:a14="http://schemas.microsoft.com/office/drawing/2010/main" w="9525">
                     <a:solidFill>
                       <a:srgbClr val="000000"/>
                     </a:solidFill>
@@ -11809,7 +11812,7 @@
               </a:ln>
               <a:extLst>
                 <a:ext uri="{91240B29-F687-4f45-9708-019B960494DF}">
-                  <a14:hiddenLine xmlns:a14="http://schemas.microsoft.com/office/drawing/2010/main" xmlns="" w="9525">
+                  <a14:hiddenLine xmlns="" xmlns:a14="http://schemas.microsoft.com/office/drawing/2010/main" w="9525">
                     <a:solidFill>
                       <a:srgbClr val="000000"/>
                     </a:solidFill>
@@ -11950,7 +11953,7 @@
             <a:fld id="{48A87A34-81AB-432B-8DAE-1953F412C126}" type="datetimeFigureOut">
               <a:rPr lang="en-US" dirty="0"/>
               <a:pPr/>
-              <a:t>11/3/20</a:t>
+              <a:t>11/5/20</a:t>
             </a:fld>
             <a:endParaRPr lang="en-US" dirty="0"/>
           </a:p>
@@ -23194,40 +23197,472 @@
           <a:lstStyle/>
           <a:p>
             <a:r>
-              <a:rPr lang="en-US" dirty="0"/>
+              <a:rPr lang="en-US"/>
               <a:t>Client server</a:t>
             </a:r>
+            <a:endParaRPr lang="en-US" dirty="0"/>
+          </a:p>
+        </p:txBody>
+      </p:sp>
+      <p:pic>
+        <p:nvPicPr>
+          <p:cNvPr id="7" name="Picture 6">
+            <a:extLst>
+              <a:ext uri="{FF2B5EF4-FFF2-40B4-BE49-F238E27FC236}">
+                <a16:creationId xmlns:a16="http://schemas.microsoft.com/office/drawing/2014/main" id="{966C276B-A8F2-6348-9EFE-80DD090F34A6}"/>
+              </a:ext>
+            </a:extLst>
+          </p:cNvPr>
+          <p:cNvPicPr>
+            <a:picLocks noChangeAspect="1"/>
+          </p:cNvPicPr>
+          <p:nvPr/>
+        </p:nvPicPr>
+        <p:blipFill>
+          <a:blip r:embed="rId2"/>
+          <a:stretch>
+            <a:fillRect/>
+          </a:stretch>
+        </p:blipFill>
+        <p:spPr>
+          <a:xfrm>
+            <a:off x="4726037" y="763778"/>
+            <a:ext cx="1683070" cy="1188049"/>
+          </a:xfrm>
+          <a:prstGeom prst="rect">
+            <a:avLst/>
+          </a:prstGeom>
+        </p:spPr>
+      </p:pic>
+      <p:grpSp>
+        <p:nvGrpSpPr>
+          <p:cNvPr id="11" name="Group 10">
+            <a:extLst>
+              <a:ext uri="{FF2B5EF4-FFF2-40B4-BE49-F238E27FC236}">
+                <a16:creationId xmlns:a16="http://schemas.microsoft.com/office/drawing/2014/main" id="{3DE8D140-1070-4D42-ADCC-3A59094FFCA1}"/>
+              </a:ext>
+            </a:extLst>
+          </p:cNvPr>
+          <p:cNvGrpSpPr/>
+          <p:nvPr/>
+        </p:nvGrpSpPr>
+        <p:grpSpPr>
+          <a:xfrm>
+            <a:off x="3036759" y="2624000"/>
+            <a:ext cx="1439818" cy="1346700"/>
+            <a:chOff x="4065050" y="1911738"/>
+            <a:chExt cx="1439818" cy="1346700"/>
+          </a:xfrm>
+        </p:grpSpPr>
+        <p:pic>
+          <p:nvPicPr>
+            <p:cNvPr id="8" name="Picture 7">
+              <a:extLst>
+                <a:ext uri="{FF2B5EF4-FFF2-40B4-BE49-F238E27FC236}">
+                  <a16:creationId xmlns:a16="http://schemas.microsoft.com/office/drawing/2014/main" id="{30710E7A-6617-784E-9996-89A5BFA63F00}"/>
+                </a:ext>
+              </a:extLst>
+            </p:cNvPr>
+            <p:cNvPicPr>
+              <a:picLocks noChangeAspect="1"/>
+            </p:cNvPicPr>
+            <p:nvPr/>
+          </p:nvPicPr>
+          <p:blipFill>
+            <a:blip r:embed="rId3"/>
+            <a:stretch>
+              <a:fillRect/>
+            </a:stretch>
+          </p:blipFill>
+          <p:spPr>
+            <a:xfrm>
+              <a:off x="4155041" y="1911738"/>
+              <a:ext cx="1098170" cy="1098170"/>
+            </a:xfrm>
+            <a:prstGeom prst="rect">
+              <a:avLst/>
+            </a:prstGeom>
+          </p:spPr>
+        </p:pic>
+        <p:sp>
+          <p:nvSpPr>
+            <p:cNvPr id="9" name="TextBox 8">
+              <a:extLst>
+                <a:ext uri="{FF2B5EF4-FFF2-40B4-BE49-F238E27FC236}">
+                  <a16:creationId xmlns:a16="http://schemas.microsoft.com/office/drawing/2014/main" id="{795359E7-E9EF-0741-AC43-3BC1EF851033}"/>
+                </a:ext>
+              </a:extLst>
+            </p:cNvPr>
+            <p:cNvSpPr txBox="1"/>
+            <p:nvPr/>
+          </p:nvSpPr>
+          <p:spPr>
+            <a:xfrm>
+              <a:off x="4065050" y="2889106"/>
+              <a:ext cx="1439818" cy="369332"/>
+            </a:xfrm>
+            <a:prstGeom prst="rect">
+              <a:avLst/>
+            </a:prstGeom>
+            <a:noFill/>
+          </p:spPr>
+          <p:txBody>
+            <a:bodyPr wrap="none" rtlCol="0">
+              <a:spAutoFit/>
+            </a:bodyPr>
+            <a:lstStyle/>
+            <a:p>
+              <a:r>
+                <a:rPr lang="en-US" b="1" dirty="0" err="1">
+                  <a:latin typeface="Lucida Console" panose="020B0609040504020204" pitchFamily="49" charset="0"/>
+                </a:rPr>
+                <a:t>server.py</a:t>
+              </a:r>
+              <a:endParaRPr lang="en-US" b="1" dirty="0">
+                <a:latin typeface="Lucida Console" panose="020B0609040504020204" pitchFamily="49" charset="0"/>
+              </a:endParaRPr>
+            </a:p>
+          </p:txBody>
+        </p:sp>
+      </p:grpSp>
+      <p:grpSp>
+        <p:nvGrpSpPr>
+          <p:cNvPr id="12" name="Group 11">
+            <a:extLst>
+              <a:ext uri="{FF2B5EF4-FFF2-40B4-BE49-F238E27FC236}">
+                <a16:creationId xmlns:a16="http://schemas.microsoft.com/office/drawing/2014/main" id="{68CA31E2-137D-984A-9DFD-0396CDB1E954}"/>
+              </a:ext>
+            </a:extLst>
+          </p:cNvPr>
+          <p:cNvGrpSpPr/>
+          <p:nvPr/>
+        </p:nvGrpSpPr>
+        <p:grpSpPr>
+          <a:xfrm>
+            <a:off x="7319795" y="2624000"/>
+            <a:ext cx="1305550" cy="1382226"/>
+            <a:chOff x="4084817" y="3848093"/>
+            <a:chExt cx="1305550" cy="1382226"/>
+          </a:xfrm>
+        </p:grpSpPr>
+        <p:pic>
+          <p:nvPicPr>
+            <p:cNvPr id="70" name="Picture 69">
+              <a:extLst>
+                <a:ext uri="{FF2B5EF4-FFF2-40B4-BE49-F238E27FC236}">
+                  <a16:creationId xmlns:a16="http://schemas.microsoft.com/office/drawing/2014/main" id="{9E44F777-5719-D64F-9704-29DA1E972EC1}"/>
+                </a:ext>
+              </a:extLst>
+            </p:cNvPr>
+            <p:cNvPicPr>
+              <a:picLocks noChangeAspect="1"/>
+            </p:cNvPicPr>
+            <p:nvPr/>
+          </p:nvPicPr>
+          <p:blipFill>
+            <a:blip r:embed="rId3"/>
+            <a:stretch>
+              <a:fillRect/>
+            </a:stretch>
+          </p:blipFill>
+          <p:spPr>
+            <a:xfrm>
+              <a:off x="4155041" y="3848093"/>
+              <a:ext cx="1098170" cy="1098170"/>
+            </a:xfrm>
+            <a:prstGeom prst="rect">
+              <a:avLst/>
+            </a:prstGeom>
+          </p:spPr>
+        </p:pic>
+        <p:sp>
+          <p:nvSpPr>
+            <p:cNvPr id="10" name="TextBox 9">
+              <a:extLst>
+                <a:ext uri="{FF2B5EF4-FFF2-40B4-BE49-F238E27FC236}">
+                  <a16:creationId xmlns:a16="http://schemas.microsoft.com/office/drawing/2014/main" id="{4969D2C4-07F1-F04F-B60C-E089DCC9BA46}"/>
+                </a:ext>
+              </a:extLst>
+            </p:cNvPr>
+            <p:cNvSpPr txBox="1"/>
+            <p:nvPr/>
+          </p:nvSpPr>
+          <p:spPr>
+            <a:xfrm>
+              <a:off x="4084817" y="4860987"/>
+              <a:ext cx="1305550" cy="369332"/>
+            </a:xfrm>
+            <a:prstGeom prst="rect">
+              <a:avLst/>
+            </a:prstGeom>
+            <a:noFill/>
+          </p:spPr>
+          <p:txBody>
+            <a:bodyPr wrap="none" rtlCol="0">
+              <a:spAutoFit/>
+            </a:bodyPr>
+            <a:lstStyle/>
+            <a:p>
+              <a:r>
+                <a:rPr lang="en-US" b="1" dirty="0" err="1">
+                  <a:latin typeface="Lucida Console" panose="020B0609040504020204" pitchFamily="49" charset="0"/>
+                </a:rPr>
+                <a:t>client</a:t>
+              </a:r>
+              <a:r>
+                <a:rPr lang="en-US" dirty="0" err="1"/>
+                <a:t>.py</a:t>
+              </a:r>
+              <a:endParaRPr lang="en-US" dirty="0"/>
+            </a:p>
+          </p:txBody>
+        </p:sp>
+      </p:grpSp>
+      <p:sp>
+        <p:nvSpPr>
+          <p:cNvPr id="14" name="Rectangle 13">
+            <a:extLst>
+              <a:ext uri="{FF2B5EF4-FFF2-40B4-BE49-F238E27FC236}">
+                <a16:creationId xmlns:a16="http://schemas.microsoft.com/office/drawing/2014/main" id="{2702F5EB-1191-6942-81E8-08C6FAD10C37}"/>
+              </a:ext>
+            </a:extLst>
+          </p:cNvPr>
+          <p:cNvSpPr/>
+          <p:nvPr/>
+        </p:nvSpPr>
+        <p:spPr>
+          <a:xfrm>
+            <a:off x="2872156" y="2527656"/>
+            <a:ext cx="1610929" cy="1478570"/>
+          </a:xfrm>
+          <a:prstGeom prst="rect">
+            <a:avLst/>
+          </a:prstGeom>
+          <a:noFill/>
+          <a:ln>
+            <a:solidFill>
+              <a:schemeClr val="tx1"/>
+            </a:solidFill>
+          </a:ln>
+        </p:spPr>
+        <p:style>
+          <a:lnRef idx="2">
+            <a:schemeClr val="accent1">
+              <a:shade val="50000"/>
+            </a:schemeClr>
+          </a:lnRef>
+          <a:fillRef idx="1">
+            <a:schemeClr val="accent1"/>
+          </a:fillRef>
+          <a:effectRef idx="0">
+            <a:schemeClr val="accent1"/>
+          </a:effectRef>
+          <a:fontRef idx="minor">
+            <a:schemeClr val="lt1"/>
+          </a:fontRef>
+        </p:style>
+        <p:txBody>
+          <a:bodyPr rtlCol="0" anchor="ctr"/>
+          <a:lstStyle/>
+          <a:p>
+            <a:pPr algn="ctr"/>
+            <a:endParaRPr lang="en-US"/>
           </a:p>
         </p:txBody>
       </p:sp>
       <p:sp>
         <p:nvSpPr>
-          <p:cNvPr id="6" name="Content Placeholder 5">
+          <p:cNvPr id="76" name="Rectangle 75">
             <a:extLst>
               <a:ext uri="{FF2B5EF4-FFF2-40B4-BE49-F238E27FC236}">
-                <a16:creationId xmlns:a16="http://schemas.microsoft.com/office/drawing/2014/main" id="{B27824B2-203C-324E-AA52-EC2E72522AB0}"/>
+                <a16:creationId xmlns:a16="http://schemas.microsoft.com/office/drawing/2014/main" id="{68A06AD6-C0F0-2D40-9435-4AF8E5F3C556}"/>
               </a:ext>
             </a:extLst>
           </p:cNvPr>
-          <p:cNvSpPr>
-            <a:spLocks noGrp="1"/>
-          </p:cNvSpPr>
-          <p:nvPr>
-            <p:ph idx="1"/>
-          </p:nvPr>
+          <p:cNvSpPr/>
+          <p:nvPr/>
         </p:nvSpPr>
-        <p:spPr/>
+        <p:spPr>
+          <a:xfrm>
+            <a:off x="7133639" y="2527656"/>
+            <a:ext cx="1610929" cy="1478570"/>
+          </a:xfrm>
+          <a:prstGeom prst="rect">
+            <a:avLst/>
+          </a:prstGeom>
+          <a:noFill/>
+          <a:ln>
+            <a:solidFill>
+              <a:schemeClr val="tx1"/>
+            </a:solidFill>
+          </a:ln>
+        </p:spPr>
+        <p:style>
+          <a:lnRef idx="2">
+            <a:schemeClr val="accent1">
+              <a:shade val="50000"/>
+            </a:schemeClr>
+          </a:lnRef>
+          <a:fillRef idx="1">
+            <a:schemeClr val="accent1"/>
+          </a:fillRef>
+          <a:effectRef idx="0">
+            <a:schemeClr val="accent1"/>
+          </a:effectRef>
+          <a:fontRef idx="minor">
+            <a:schemeClr val="lt1"/>
+          </a:fontRef>
+        </p:style>
         <p:txBody>
-          <a:bodyPr/>
+          <a:bodyPr rtlCol="0" anchor="ctr"/>
           <a:lstStyle/>
           <a:p>
-            <a:r>
-              <a:rPr lang="en-US" dirty="0"/>
-              <a:t>Lets Code…</a:t>
-            </a:r>
+            <a:pPr algn="ctr"/>
+            <a:endParaRPr lang="en-US"/>
           </a:p>
         </p:txBody>
       </p:sp>
+      <p:cxnSp>
+        <p:nvCxnSpPr>
+          <p:cNvPr id="77" name="Straight Connector 76">
+            <a:extLst>
+              <a:ext uri="{FF2B5EF4-FFF2-40B4-BE49-F238E27FC236}">
+                <a16:creationId xmlns:a16="http://schemas.microsoft.com/office/drawing/2014/main" id="{586C310F-CA71-F04B-B27B-D9CE99CC52B1}"/>
+              </a:ext>
+            </a:extLst>
+          </p:cNvPr>
+          <p:cNvCxnSpPr>
+            <a:cxnSpLocks/>
+            <a:stCxn id="78" idx="2"/>
+          </p:cNvCxnSpPr>
+          <p:nvPr/>
+        </p:nvCxnSpPr>
+        <p:spPr>
+          <a:xfrm flipH="1">
+            <a:off x="3836506" y="2095792"/>
+            <a:ext cx="1766400" cy="431864"/>
+          </a:xfrm>
+          <a:prstGeom prst="line">
+            <a:avLst/>
+          </a:prstGeom>
+          <a:ln>
+            <a:solidFill>
+              <a:schemeClr val="tx1"/>
+            </a:solidFill>
+          </a:ln>
+        </p:spPr>
+        <p:style>
+          <a:lnRef idx="3">
+            <a:schemeClr val="accent6"/>
+          </a:lnRef>
+          <a:fillRef idx="0">
+            <a:schemeClr val="accent6"/>
+          </a:fillRef>
+          <a:effectRef idx="2">
+            <a:schemeClr val="accent6"/>
+          </a:effectRef>
+          <a:fontRef idx="minor">
+            <a:schemeClr val="tx1"/>
+          </a:fontRef>
+        </p:style>
+      </p:cxnSp>
+      <p:sp>
+        <p:nvSpPr>
+          <p:cNvPr id="78" name="Rectangle 77">
+            <a:extLst>
+              <a:ext uri="{FF2B5EF4-FFF2-40B4-BE49-F238E27FC236}">
+                <a16:creationId xmlns:a16="http://schemas.microsoft.com/office/drawing/2014/main" id="{BD08E295-FB10-D245-AE86-E5B08E3134E0}"/>
+              </a:ext>
+            </a:extLst>
+          </p:cNvPr>
+          <p:cNvSpPr/>
+          <p:nvPr/>
+        </p:nvSpPr>
+        <p:spPr>
+          <a:xfrm>
+            <a:off x="4584626" y="617222"/>
+            <a:ext cx="2036560" cy="1478570"/>
+          </a:xfrm>
+          <a:prstGeom prst="rect">
+            <a:avLst/>
+          </a:prstGeom>
+          <a:noFill/>
+          <a:ln>
+            <a:solidFill>
+              <a:schemeClr val="tx1"/>
+            </a:solidFill>
+          </a:ln>
+        </p:spPr>
+        <p:style>
+          <a:lnRef idx="2">
+            <a:schemeClr val="accent1">
+              <a:shade val="50000"/>
+            </a:schemeClr>
+          </a:lnRef>
+          <a:fillRef idx="1">
+            <a:schemeClr val="accent1"/>
+          </a:fillRef>
+          <a:effectRef idx="0">
+            <a:schemeClr val="accent1"/>
+          </a:effectRef>
+          <a:fontRef idx="minor">
+            <a:schemeClr val="lt1"/>
+          </a:fontRef>
+        </p:style>
+        <p:txBody>
+          <a:bodyPr rtlCol="0" anchor="ctr"/>
+          <a:lstStyle/>
+          <a:p>
+            <a:pPr algn="ctr"/>
+            <a:endParaRPr lang="en-US"/>
+          </a:p>
+        </p:txBody>
+      </p:sp>
+      <p:cxnSp>
+        <p:nvCxnSpPr>
+          <p:cNvPr id="81" name="Straight Connector 80">
+            <a:extLst>
+              <a:ext uri="{FF2B5EF4-FFF2-40B4-BE49-F238E27FC236}">
+                <a16:creationId xmlns:a16="http://schemas.microsoft.com/office/drawing/2014/main" id="{3C456C16-C3CE-B34C-818F-33BF7386DA87}"/>
+              </a:ext>
+            </a:extLst>
+          </p:cNvPr>
+          <p:cNvCxnSpPr>
+            <a:cxnSpLocks/>
+            <a:stCxn id="78" idx="2"/>
+            <a:endCxn id="76" idx="0"/>
+          </p:cNvCxnSpPr>
+          <p:nvPr/>
+        </p:nvCxnSpPr>
+        <p:spPr>
+          <a:xfrm>
+            <a:off x="5602906" y="2095792"/>
+            <a:ext cx="2336198" cy="431864"/>
+          </a:xfrm>
+          <a:prstGeom prst="line">
+            <a:avLst/>
+          </a:prstGeom>
+          <a:ln>
+            <a:solidFill>
+              <a:schemeClr val="tx1"/>
+            </a:solidFill>
+          </a:ln>
+        </p:spPr>
+        <p:style>
+          <a:lnRef idx="3">
+            <a:schemeClr val="accent6"/>
+          </a:lnRef>
+          <a:fillRef idx="0">
+            <a:schemeClr val="accent6"/>
+          </a:fillRef>
+          <a:effectRef idx="2">
+            <a:schemeClr val="accent6"/>
+          </a:effectRef>
+          <a:fontRef idx="minor">
+            <a:schemeClr val="tx1"/>
+          </a:fontRef>
+        </p:style>
+      </p:cxnSp>
     </p:spTree>
     <p:extLst>
       <p:ext uri="{BB962C8B-B14F-4D97-AF65-F5344CB8AC3E}">
@@ -23441,6 +23876,2792 @@
   <p:clrMapOvr>
     <a:masterClrMapping/>
   </p:clrMapOvr>
+</p:sld>
+</file>
+
+<file path=ppt/slides/slide20.xml><?xml version="1.0" encoding="utf-8"?>
+<p:sld xmlns:a="http://schemas.openxmlformats.org/drawingml/2006/main" xmlns:r="http://schemas.openxmlformats.org/officeDocument/2006/relationships" xmlns:p="http://schemas.openxmlformats.org/presentationml/2006/main">
+  <p:cSld>
+    <p:spTree>
+      <p:nvGrpSpPr>
+        <p:cNvPr id="1" name=""/>
+        <p:cNvGrpSpPr/>
+        <p:nvPr/>
+      </p:nvGrpSpPr>
+      <p:grpSpPr>
+        <a:xfrm>
+          <a:off x="0" y="0"/>
+          <a:ext cx="0" cy="0"/>
+          <a:chOff x="0" y="0"/>
+          <a:chExt cx="0" cy="0"/>
+        </a:xfrm>
+      </p:grpSpPr>
+      <p:sp>
+        <p:nvSpPr>
+          <p:cNvPr id="2" name="Title 1">
+            <a:extLst>
+              <a:ext uri="{FF2B5EF4-FFF2-40B4-BE49-F238E27FC236}">
+                <a16:creationId xmlns:a16="http://schemas.microsoft.com/office/drawing/2014/main" id="{3CF1BE6C-0D01-344A-B295-C9D3E14122B5}"/>
+              </a:ext>
+            </a:extLst>
+          </p:cNvPr>
+          <p:cNvSpPr>
+            <a:spLocks noGrp="1"/>
+          </p:cNvSpPr>
+          <p:nvPr>
+            <p:ph type="title"/>
+          </p:nvPr>
+        </p:nvSpPr>
+        <p:spPr/>
+        <p:txBody>
+          <a:bodyPr/>
+          <a:lstStyle/>
+          <a:p>
+            <a:r>
+              <a:rPr lang="en-US" dirty="0"/>
+              <a:t>Client server</a:t>
+            </a:r>
+          </a:p>
+        </p:txBody>
+      </p:sp>
+      <p:pic>
+        <p:nvPicPr>
+          <p:cNvPr id="7" name="Picture 6">
+            <a:extLst>
+              <a:ext uri="{FF2B5EF4-FFF2-40B4-BE49-F238E27FC236}">
+                <a16:creationId xmlns:a16="http://schemas.microsoft.com/office/drawing/2014/main" id="{966C276B-A8F2-6348-9EFE-80DD090F34A6}"/>
+              </a:ext>
+            </a:extLst>
+          </p:cNvPr>
+          <p:cNvPicPr>
+            <a:picLocks noChangeAspect="1"/>
+          </p:cNvPicPr>
+          <p:nvPr/>
+        </p:nvPicPr>
+        <p:blipFill>
+          <a:blip r:embed="rId2"/>
+          <a:stretch>
+            <a:fillRect/>
+          </a:stretch>
+        </p:blipFill>
+        <p:spPr>
+          <a:xfrm>
+            <a:off x="4726037" y="763778"/>
+            <a:ext cx="1683070" cy="1188049"/>
+          </a:xfrm>
+          <a:prstGeom prst="rect">
+            <a:avLst/>
+          </a:prstGeom>
+        </p:spPr>
+      </p:pic>
+      <p:grpSp>
+        <p:nvGrpSpPr>
+          <p:cNvPr id="11" name="Group 10">
+            <a:extLst>
+              <a:ext uri="{FF2B5EF4-FFF2-40B4-BE49-F238E27FC236}">
+                <a16:creationId xmlns:a16="http://schemas.microsoft.com/office/drawing/2014/main" id="{3DE8D140-1070-4D42-ADCC-3A59094FFCA1}"/>
+              </a:ext>
+            </a:extLst>
+          </p:cNvPr>
+          <p:cNvGrpSpPr/>
+          <p:nvPr/>
+        </p:nvGrpSpPr>
+        <p:grpSpPr>
+          <a:xfrm>
+            <a:off x="3036759" y="2624000"/>
+            <a:ext cx="1439818" cy="1346700"/>
+            <a:chOff x="4065050" y="1911738"/>
+            <a:chExt cx="1439818" cy="1346700"/>
+          </a:xfrm>
+        </p:grpSpPr>
+        <p:pic>
+          <p:nvPicPr>
+            <p:cNvPr id="8" name="Picture 7">
+              <a:extLst>
+                <a:ext uri="{FF2B5EF4-FFF2-40B4-BE49-F238E27FC236}">
+                  <a16:creationId xmlns:a16="http://schemas.microsoft.com/office/drawing/2014/main" id="{30710E7A-6617-784E-9996-89A5BFA63F00}"/>
+                </a:ext>
+              </a:extLst>
+            </p:cNvPr>
+            <p:cNvPicPr>
+              <a:picLocks noChangeAspect="1"/>
+            </p:cNvPicPr>
+            <p:nvPr/>
+          </p:nvPicPr>
+          <p:blipFill>
+            <a:blip r:embed="rId3"/>
+            <a:stretch>
+              <a:fillRect/>
+            </a:stretch>
+          </p:blipFill>
+          <p:spPr>
+            <a:xfrm>
+              <a:off x="4155041" y="1911738"/>
+              <a:ext cx="1098170" cy="1098170"/>
+            </a:xfrm>
+            <a:prstGeom prst="rect">
+              <a:avLst/>
+            </a:prstGeom>
+          </p:spPr>
+        </p:pic>
+        <p:sp>
+          <p:nvSpPr>
+            <p:cNvPr id="9" name="TextBox 8">
+              <a:extLst>
+                <a:ext uri="{FF2B5EF4-FFF2-40B4-BE49-F238E27FC236}">
+                  <a16:creationId xmlns:a16="http://schemas.microsoft.com/office/drawing/2014/main" id="{795359E7-E9EF-0741-AC43-3BC1EF851033}"/>
+                </a:ext>
+              </a:extLst>
+            </p:cNvPr>
+            <p:cNvSpPr txBox="1"/>
+            <p:nvPr/>
+          </p:nvSpPr>
+          <p:spPr>
+            <a:xfrm>
+              <a:off x="4065050" y="2889106"/>
+              <a:ext cx="1439818" cy="369332"/>
+            </a:xfrm>
+            <a:prstGeom prst="rect">
+              <a:avLst/>
+            </a:prstGeom>
+            <a:noFill/>
+          </p:spPr>
+          <p:txBody>
+            <a:bodyPr wrap="none" rtlCol="0">
+              <a:spAutoFit/>
+            </a:bodyPr>
+            <a:lstStyle/>
+            <a:p>
+              <a:r>
+                <a:rPr lang="en-US" b="1" dirty="0" err="1">
+                  <a:latin typeface="Lucida Console" panose="020B0609040504020204" pitchFamily="49" charset="0"/>
+                </a:rPr>
+                <a:t>server.py</a:t>
+              </a:r>
+              <a:endParaRPr lang="en-US" b="1" dirty="0">
+                <a:latin typeface="Lucida Console" panose="020B0609040504020204" pitchFamily="49" charset="0"/>
+              </a:endParaRPr>
+            </a:p>
+          </p:txBody>
+        </p:sp>
+      </p:grpSp>
+      <p:grpSp>
+        <p:nvGrpSpPr>
+          <p:cNvPr id="12" name="Group 11">
+            <a:extLst>
+              <a:ext uri="{FF2B5EF4-FFF2-40B4-BE49-F238E27FC236}">
+                <a16:creationId xmlns:a16="http://schemas.microsoft.com/office/drawing/2014/main" id="{68CA31E2-137D-984A-9DFD-0396CDB1E954}"/>
+              </a:ext>
+            </a:extLst>
+          </p:cNvPr>
+          <p:cNvGrpSpPr/>
+          <p:nvPr/>
+        </p:nvGrpSpPr>
+        <p:grpSpPr>
+          <a:xfrm>
+            <a:off x="7319795" y="2624000"/>
+            <a:ext cx="1305550" cy="1382226"/>
+            <a:chOff x="4084817" y="3848093"/>
+            <a:chExt cx="1305550" cy="1382226"/>
+          </a:xfrm>
+        </p:grpSpPr>
+        <p:pic>
+          <p:nvPicPr>
+            <p:cNvPr id="70" name="Picture 69">
+              <a:extLst>
+                <a:ext uri="{FF2B5EF4-FFF2-40B4-BE49-F238E27FC236}">
+                  <a16:creationId xmlns:a16="http://schemas.microsoft.com/office/drawing/2014/main" id="{9E44F777-5719-D64F-9704-29DA1E972EC1}"/>
+                </a:ext>
+              </a:extLst>
+            </p:cNvPr>
+            <p:cNvPicPr>
+              <a:picLocks noChangeAspect="1"/>
+            </p:cNvPicPr>
+            <p:nvPr/>
+          </p:nvPicPr>
+          <p:blipFill>
+            <a:blip r:embed="rId3"/>
+            <a:stretch>
+              <a:fillRect/>
+            </a:stretch>
+          </p:blipFill>
+          <p:spPr>
+            <a:xfrm>
+              <a:off x="4155041" y="3848093"/>
+              <a:ext cx="1098170" cy="1098170"/>
+            </a:xfrm>
+            <a:prstGeom prst="rect">
+              <a:avLst/>
+            </a:prstGeom>
+          </p:spPr>
+        </p:pic>
+        <p:sp>
+          <p:nvSpPr>
+            <p:cNvPr id="10" name="TextBox 9">
+              <a:extLst>
+                <a:ext uri="{FF2B5EF4-FFF2-40B4-BE49-F238E27FC236}">
+                  <a16:creationId xmlns:a16="http://schemas.microsoft.com/office/drawing/2014/main" id="{4969D2C4-07F1-F04F-B60C-E089DCC9BA46}"/>
+                </a:ext>
+              </a:extLst>
+            </p:cNvPr>
+            <p:cNvSpPr txBox="1"/>
+            <p:nvPr/>
+          </p:nvSpPr>
+          <p:spPr>
+            <a:xfrm>
+              <a:off x="4084817" y="4860987"/>
+              <a:ext cx="1305550" cy="369332"/>
+            </a:xfrm>
+            <a:prstGeom prst="rect">
+              <a:avLst/>
+            </a:prstGeom>
+            <a:noFill/>
+          </p:spPr>
+          <p:txBody>
+            <a:bodyPr wrap="none" rtlCol="0">
+              <a:spAutoFit/>
+            </a:bodyPr>
+            <a:lstStyle/>
+            <a:p>
+              <a:r>
+                <a:rPr lang="en-US" b="1" dirty="0" err="1">
+                  <a:latin typeface="Lucida Console" panose="020B0609040504020204" pitchFamily="49" charset="0"/>
+                </a:rPr>
+                <a:t>client</a:t>
+              </a:r>
+              <a:r>
+                <a:rPr lang="en-US" dirty="0" err="1"/>
+                <a:t>.py</a:t>
+              </a:r>
+              <a:endParaRPr lang="en-US" dirty="0"/>
+            </a:p>
+          </p:txBody>
+        </p:sp>
+      </p:grpSp>
+      <p:sp>
+        <p:nvSpPr>
+          <p:cNvPr id="14" name="Rectangle 13">
+            <a:extLst>
+              <a:ext uri="{FF2B5EF4-FFF2-40B4-BE49-F238E27FC236}">
+                <a16:creationId xmlns:a16="http://schemas.microsoft.com/office/drawing/2014/main" id="{2702F5EB-1191-6942-81E8-08C6FAD10C37}"/>
+              </a:ext>
+            </a:extLst>
+          </p:cNvPr>
+          <p:cNvSpPr/>
+          <p:nvPr/>
+        </p:nvSpPr>
+        <p:spPr>
+          <a:xfrm>
+            <a:off x="2872156" y="2527656"/>
+            <a:ext cx="1610929" cy="1478570"/>
+          </a:xfrm>
+          <a:prstGeom prst="rect">
+            <a:avLst/>
+          </a:prstGeom>
+          <a:noFill/>
+          <a:ln>
+            <a:solidFill>
+              <a:schemeClr val="tx1"/>
+            </a:solidFill>
+          </a:ln>
+        </p:spPr>
+        <p:style>
+          <a:lnRef idx="2">
+            <a:schemeClr val="accent1">
+              <a:shade val="50000"/>
+            </a:schemeClr>
+          </a:lnRef>
+          <a:fillRef idx="1">
+            <a:schemeClr val="accent1"/>
+          </a:fillRef>
+          <a:effectRef idx="0">
+            <a:schemeClr val="accent1"/>
+          </a:effectRef>
+          <a:fontRef idx="minor">
+            <a:schemeClr val="lt1"/>
+          </a:fontRef>
+        </p:style>
+        <p:txBody>
+          <a:bodyPr rtlCol="0" anchor="ctr"/>
+          <a:lstStyle/>
+          <a:p>
+            <a:pPr algn="ctr"/>
+            <a:endParaRPr lang="en-US"/>
+          </a:p>
+        </p:txBody>
+      </p:sp>
+      <p:sp>
+        <p:nvSpPr>
+          <p:cNvPr id="76" name="Rectangle 75">
+            <a:extLst>
+              <a:ext uri="{FF2B5EF4-FFF2-40B4-BE49-F238E27FC236}">
+                <a16:creationId xmlns:a16="http://schemas.microsoft.com/office/drawing/2014/main" id="{68A06AD6-C0F0-2D40-9435-4AF8E5F3C556}"/>
+              </a:ext>
+            </a:extLst>
+          </p:cNvPr>
+          <p:cNvSpPr/>
+          <p:nvPr/>
+        </p:nvSpPr>
+        <p:spPr>
+          <a:xfrm>
+            <a:off x="7133639" y="2527656"/>
+            <a:ext cx="1610929" cy="1478570"/>
+          </a:xfrm>
+          <a:prstGeom prst="rect">
+            <a:avLst/>
+          </a:prstGeom>
+          <a:noFill/>
+          <a:ln>
+            <a:solidFill>
+              <a:schemeClr val="tx1"/>
+            </a:solidFill>
+          </a:ln>
+        </p:spPr>
+        <p:style>
+          <a:lnRef idx="2">
+            <a:schemeClr val="accent1">
+              <a:shade val="50000"/>
+            </a:schemeClr>
+          </a:lnRef>
+          <a:fillRef idx="1">
+            <a:schemeClr val="accent1"/>
+          </a:fillRef>
+          <a:effectRef idx="0">
+            <a:schemeClr val="accent1"/>
+          </a:effectRef>
+          <a:fontRef idx="minor">
+            <a:schemeClr val="lt1"/>
+          </a:fontRef>
+        </p:style>
+        <p:txBody>
+          <a:bodyPr rtlCol="0" anchor="ctr"/>
+          <a:lstStyle/>
+          <a:p>
+            <a:pPr algn="ctr"/>
+            <a:endParaRPr lang="en-US"/>
+          </a:p>
+        </p:txBody>
+      </p:sp>
+      <p:cxnSp>
+        <p:nvCxnSpPr>
+          <p:cNvPr id="77" name="Straight Connector 76">
+            <a:extLst>
+              <a:ext uri="{FF2B5EF4-FFF2-40B4-BE49-F238E27FC236}">
+                <a16:creationId xmlns:a16="http://schemas.microsoft.com/office/drawing/2014/main" id="{586C310F-CA71-F04B-B27B-D9CE99CC52B1}"/>
+              </a:ext>
+            </a:extLst>
+          </p:cNvPr>
+          <p:cNvCxnSpPr>
+            <a:cxnSpLocks/>
+            <a:stCxn id="78" idx="2"/>
+          </p:cNvCxnSpPr>
+          <p:nvPr/>
+        </p:nvCxnSpPr>
+        <p:spPr>
+          <a:xfrm flipH="1">
+            <a:off x="3836506" y="2095792"/>
+            <a:ext cx="1766400" cy="431864"/>
+          </a:xfrm>
+          <a:prstGeom prst="line">
+            <a:avLst/>
+          </a:prstGeom>
+          <a:ln>
+            <a:solidFill>
+              <a:schemeClr val="tx1"/>
+            </a:solidFill>
+          </a:ln>
+        </p:spPr>
+        <p:style>
+          <a:lnRef idx="3">
+            <a:schemeClr val="accent6"/>
+          </a:lnRef>
+          <a:fillRef idx="0">
+            <a:schemeClr val="accent6"/>
+          </a:fillRef>
+          <a:effectRef idx="2">
+            <a:schemeClr val="accent6"/>
+          </a:effectRef>
+          <a:fontRef idx="minor">
+            <a:schemeClr val="tx1"/>
+          </a:fontRef>
+        </p:style>
+      </p:cxnSp>
+      <p:sp>
+        <p:nvSpPr>
+          <p:cNvPr id="78" name="Rectangle 77">
+            <a:extLst>
+              <a:ext uri="{FF2B5EF4-FFF2-40B4-BE49-F238E27FC236}">
+                <a16:creationId xmlns:a16="http://schemas.microsoft.com/office/drawing/2014/main" id="{BD08E295-FB10-D245-AE86-E5B08E3134E0}"/>
+              </a:ext>
+            </a:extLst>
+          </p:cNvPr>
+          <p:cNvSpPr/>
+          <p:nvPr/>
+        </p:nvSpPr>
+        <p:spPr>
+          <a:xfrm>
+            <a:off x="4584626" y="617222"/>
+            <a:ext cx="2036560" cy="1478570"/>
+          </a:xfrm>
+          <a:prstGeom prst="rect">
+            <a:avLst/>
+          </a:prstGeom>
+          <a:noFill/>
+          <a:ln>
+            <a:solidFill>
+              <a:schemeClr val="tx1"/>
+            </a:solidFill>
+          </a:ln>
+        </p:spPr>
+        <p:style>
+          <a:lnRef idx="2">
+            <a:schemeClr val="accent1">
+              <a:shade val="50000"/>
+            </a:schemeClr>
+          </a:lnRef>
+          <a:fillRef idx="1">
+            <a:schemeClr val="accent1"/>
+          </a:fillRef>
+          <a:effectRef idx="0">
+            <a:schemeClr val="accent1"/>
+          </a:effectRef>
+          <a:fontRef idx="minor">
+            <a:schemeClr val="lt1"/>
+          </a:fontRef>
+        </p:style>
+        <p:txBody>
+          <a:bodyPr rtlCol="0" anchor="ctr"/>
+          <a:lstStyle/>
+          <a:p>
+            <a:pPr algn="ctr"/>
+            <a:endParaRPr lang="en-US"/>
+          </a:p>
+        </p:txBody>
+      </p:sp>
+      <p:cxnSp>
+        <p:nvCxnSpPr>
+          <p:cNvPr id="81" name="Straight Connector 80">
+            <a:extLst>
+              <a:ext uri="{FF2B5EF4-FFF2-40B4-BE49-F238E27FC236}">
+                <a16:creationId xmlns:a16="http://schemas.microsoft.com/office/drawing/2014/main" id="{3C456C16-C3CE-B34C-818F-33BF7386DA87}"/>
+              </a:ext>
+            </a:extLst>
+          </p:cNvPr>
+          <p:cNvCxnSpPr>
+            <a:cxnSpLocks/>
+            <a:stCxn id="78" idx="2"/>
+            <a:endCxn id="76" idx="0"/>
+          </p:cNvCxnSpPr>
+          <p:nvPr/>
+        </p:nvCxnSpPr>
+        <p:spPr>
+          <a:xfrm>
+            <a:off x="5602906" y="2095792"/>
+            <a:ext cx="2336198" cy="431864"/>
+          </a:xfrm>
+          <a:prstGeom prst="line">
+            <a:avLst/>
+          </a:prstGeom>
+          <a:ln>
+            <a:solidFill>
+              <a:schemeClr val="tx1"/>
+            </a:solidFill>
+          </a:ln>
+        </p:spPr>
+        <p:style>
+          <a:lnRef idx="3">
+            <a:schemeClr val="accent6"/>
+          </a:lnRef>
+          <a:fillRef idx="0">
+            <a:schemeClr val="accent6"/>
+          </a:fillRef>
+          <a:effectRef idx="2">
+            <a:schemeClr val="accent6"/>
+          </a:effectRef>
+          <a:fontRef idx="minor">
+            <a:schemeClr val="tx1"/>
+          </a:fontRef>
+        </p:style>
+      </p:cxnSp>
+      <p:sp>
+        <p:nvSpPr>
+          <p:cNvPr id="3" name="TextBox 2">
+            <a:extLst>
+              <a:ext uri="{FF2B5EF4-FFF2-40B4-BE49-F238E27FC236}">
+                <a16:creationId xmlns:a16="http://schemas.microsoft.com/office/drawing/2014/main" id="{929EA317-8B52-3644-8A34-3378F9FDCEEE}"/>
+              </a:ext>
+            </a:extLst>
+          </p:cNvPr>
+          <p:cNvSpPr txBox="1"/>
+          <p:nvPr/>
+        </p:nvSpPr>
+        <p:spPr>
+          <a:xfrm>
+            <a:off x="674090" y="4299248"/>
+            <a:ext cx="5248115" cy="923330"/>
+          </a:xfrm>
+          <a:prstGeom prst="rect">
+            <a:avLst/>
+          </a:prstGeom>
+          <a:noFill/>
+        </p:spPr>
+        <p:txBody>
+          <a:bodyPr wrap="square" rtlCol="0">
+            <a:spAutoFit/>
+          </a:bodyPr>
+          <a:lstStyle/>
+          <a:p>
+            <a:pPr marL="285750" indent="-285750">
+              <a:buFont typeface="Arial" panose="020B0604020202020204" pitchFamily="34" charset="0"/>
+              <a:buChar char="•"/>
+            </a:pPr>
+            <a:r>
+              <a:rPr lang="en-US" dirty="0"/>
+              <a:t>Our connection to “outside” world (other computers)</a:t>
+            </a:r>
+          </a:p>
+          <a:p>
+            <a:pPr marL="285750" indent="-285750">
+              <a:buFont typeface="Arial" panose="020B0604020202020204" pitchFamily="34" charset="0"/>
+              <a:buChar char="•"/>
+            </a:pPr>
+            <a:r>
+              <a:rPr lang="en-US" dirty="0"/>
+              <a:t>Listens on port for GET and POST requests</a:t>
+            </a:r>
+          </a:p>
+          <a:p>
+            <a:pPr marL="285750" indent="-285750">
+              <a:buFont typeface="Arial" panose="020B0604020202020204" pitchFamily="34" charset="0"/>
+              <a:buChar char="•"/>
+            </a:pPr>
+            <a:r>
+              <a:rPr lang="en-US" dirty="0"/>
+              <a:t>No interactive console</a:t>
+            </a:r>
+          </a:p>
+        </p:txBody>
+      </p:sp>
+      <p:sp>
+        <p:nvSpPr>
+          <p:cNvPr id="17" name="TextBox 16">
+            <a:extLst>
+              <a:ext uri="{FF2B5EF4-FFF2-40B4-BE49-F238E27FC236}">
+                <a16:creationId xmlns:a16="http://schemas.microsoft.com/office/drawing/2014/main" id="{6D615B56-B5FB-464F-AC9E-F57A5A6226BB}"/>
+              </a:ext>
+            </a:extLst>
+          </p:cNvPr>
+          <p:cNvSpPr txBox="1"/>
+          <p:nvPr/>
+        </p:nvSpPr>
+        <p:spPr>
+          <a:xfrm>
+            <a:off x="6269795" y="4273399"/>
+            <a:ext cx="5248115" cy="923330"/>
+          </a:xfrm>
+          <a:prstGeom prst="rect">
+            <a:avLst/>
+          </a:prstGeom>
+          <a:noFill/>
+        </p:spPr>
+        <p:txBody>
+          <a:bodyPr wrap="square" rtlCol="0">
+            <a:spAutoFit/>
+          </a:bodyPr>
+          <a:lstStyle/>
+          <a:p>
+            <a:pPr marL="285750" indent="-285750">
+              <a:buFont typeface="Arial" panose="020B0604020202020204" pitchFamily="34" charset="0"/>
+              <a:buChar char="•"/>
+            </a:pPr>
+            <a:r>
+              <a:rPr lang="en-US" dirty="0"/>
+              <a:t>No connection to outside world</a:t>
+            </a:r>
+          </a:p>
+          <a:p>
+            <a:pPr marL="285750" indent="-285750">
+              <a:buFont typeface="Arial" panose="020B0604020202020204" pitchFamily="34" charset="0"/>
+              <a:buChar char="•"/>
+            </a:pPr>
+            <a:r>
+              <a:rPr lang="en-US" dirty="0"/>
+              <a:t>Our local interface to “server”</a:t>
+            </a:r>
+          </a:p>
+          <a:p>
+            <a:pPr marL="285750" indent="-285750">
+              <a:buFont typeface="Arial" panose="020B0604020202020204" pitchFamily="34" charset="0"/>
+              <a:buChar char="•"/>
+            </a:pPr>
+            <a:r>
+              <a:rPr lang="en-US" dirty="0"/>
+              <a:t>Provides interactive console</a:t>
+            </a:r>
+          </a:p>
+        </p:txBody>
+      </p:sp>
+    </p:spTree>
+    <p:extLst>
+      <p:ext uri="{BB962C8B-B14F-4D97-AF65-F5344CB8AC3E}">
+        <p14:creationId xmlns:p14="http://schemas.microsoft.com/office/powerpoint/2010/main" val="115047701"/>
+      </p:ext>
+    </p:extLst>
+  </p:cSld>
+  <p:clrMapOvr>
+    <a:masterClrMapping/>
+  </p:clrMapOvr>
+</p:sld>
+</file>
+
+<file path=ppt/slides/slide21.xml><?xml version="1.0" encoding="utf-8"?>
+<p:sld xmlns:a="http://schemas.openxmlformats.org/drawingml/2006/main" xmlns:r="http://schemas.openxmlformats.org/officeDocument/2006/relationships" xmlns:p="http://schemas.openxmlformats.org/presentationml/2006/main">
+  <p:cSld>
+    <p:bg>
+      <p:bgPr>
+        <a:solidFill>
+          <a:schemeClr val="tx1"/>
+        </a:solidFill>
+        <a:effectLst/>
+      </p:bgPr>
+    </p:bg>
+    <p:spTree>
+      <p:nvGrpSpPr>
+        <p:cNvPr id="1" name=""/>
+        <p:cNvGrpSpPr/>
+        <p:nvPr/>
+      </p:nvGrpSpPr>
+      <p:grpSpPr>
+        <a:xfrm>
+          <a:off x="0" y="0"/>
+          <a:ext cx="0" cy="0"/>
+          <a:chOff x="0" y="0"/>
+          <a:chExt cx="0" cy="0"/>
+        </a:xfrm>
+      </p:grpSpPr>
+      <p:pic>
+        <p:nvPicPr>
+          <p:cNvPr id="6" name="Content Placeholder 4">
+            <a:extLst>
+              <a:ext uri="{FF2B5EF4-FFF2-40B4-BE49-F238E27FC236}">
+                <a16:creationId xmlns:a16="http://schemas.microsoft.com/office/drawing/2014/main" id="{0C0EEC82-D267-D449-81CC-BE121B0CBBBC}"/>
+              </a:ext>
+            </a:extLst>
+          </p:cNvPr>
+          <p:cNvPicPr>
+            <a:picLocks noGrp="1" noChangeAspect="1"/>
+          </p:cNvPicPr>
+          <p:nvPr>
+            <p:ph idx="1"/>
+          </p:nvPr>
+        </p:nvPicPr>
+        <p:blipFill>
+          <a:blip r:embed="rId2"/>
+          <a:stretch>
+            <a:fillRect/>
+          </a:stretch>
+        </p:blipFill>
+        <p:spPr>
+          <a:xfrm>
+            <a:off x="3122676" y="730761"/>
+            <a:ext cx="335540" cy="650109"/>
+          </a:xfrm>
+        </p:spPr>
+      </p:pic>
+      <p:pic>
+        <p:nvPicPr>
+          <p:cNvPr id="7" name="Picture 6">
+            <a:extLst>
+              <a:ext uri="{FF2B5EF4-FFF2-40B4-BE49-F238E27FC236}">
+                <a16:creationId xmlns:a16="http://schemas.microsoft.com/office/drawing/2014/main" id="{2696B385-8BD8-384C-9428-79B074D3DE8C}"/>
+              </a:ext>
+            </a:extLst>
+          </p:cNvPr>
+          <p:cNvPicPr>
+            <a:picLocks noChangeAspect="1"/>
+          </p:cNvPicPr>
+          <p:nvPr/>
+        </p:nvPicPr>
+        <p:blipFill>
+          <a:blip r:embed="rId3"/>
+          <a:stretch>
+            <a:fillRect/>
+          </a:stretch>
+        </p:blipFill>
+        <p:spPr>
+          <a:xfrm>
+            <a:off x="2737548" y="3891224"/>
+            <a:ext cx="1030583" cy="727470"/>
+          </a:xfrm>
+          <a:prstGeom prst="rect">
+            <a:avLst/>
+          </a:prstGeom>
+        </p:spPr>
+      </p:pic>
+      <p:pic>
+        <p:nvPicPr>
+          <p:cNvPr id="8" name="Picture 7">
+            <a:extLst>
+              <a:ext uri="{FF2B5EF4-FFF2-40B4-BE49-F238E27FC236}">
+                <a16:creationId xmlns:a16="http://schemas.microsoft.com/office/drawing/2014/main" id="{9A386EBA-36EE-E842-A73F-5DD8D02C0AC4}"/>
+              </a:ext>
+            </a:extLst>
+          </p:cNvPr>
+          <p:cNvPicPr>
+            <a:picLocks noChangeAspect="1"/>
+          </p:cNvPicPr>
+          <p:nvPr/>
+        </p:nvPicPr>
+        <p:blipFill>
+          <a:blip r:embed="rId3"/>
+          <a:stretch>
+            <a:fillRect/>
+          </a:stretch>
+        </p:blipFill>
+        <p:spPr>
+          <a:xfrm>
+            <a:off x="7629338" y="3951948"/>
+            <a:ext cx="1030583" cy="727470"/>
+          </a:xfrm>
+          <a:prstGeom prst="rect">
+            <a:avLst/>
+          </a:prstGeom>
+        </p:spPr>
+      </p:pic>
+      <p:pic>
+        <p:nvPicPr>
+          <p:cNvPr id="9" name="Content Placeholder 4">
+            <a:extLst>
+              <a:ext uri="{FF2B5EF4-FFF2-40B4-BE49-F238E27FC236}">
+                <a16:creationId xmlns:a16="http://schemas.microsoft.com/office/drawing/2014/main" id="{9B063516-343C-0B45-BB5B-70235AAE82C7}"/>
+              </a:ext>
+            </a:extLst>
+          </p:cNvPr>
+          <p:cNvPicPr>
+            <a:picLocks noChangeAspect="1"/>
+          </p:cNvPicPr>
+          <p:nvPr/>
+        </p:nvPicPr>
+        <p:blipFill>
+          <a:blip r:embed="rId2"/>
+          <a:stretch>
+            <a:fillRect/>
+          </a:stretch>
+        </p:blipFill>
+        <p:spPr>
+          <a:xfrm>
+            <a:off x="7976860" y="670961"/>
+            <a:ext cx="335540" cy="650109"/>
+          </a:xfrm>
+          <a:prstGeom prst="rect">
+            <a:avLst/>
+          </a:prstGeom>
+        </p:spPr>
+      </p:pic>
+      <p:sp>
+        <p:nvSpPr>
+          <p:cNvPr id="10" name="TextBox 9">
+            <a:extLst>
+              <a:ext uri="{FF2B5EF4-FFF2-40B4-BE49-F238E27FC236}">
+                <a16:creationId xmlns:a16="http://schemas.microsoft.com/office/drawing/2014/main" id="{6C4CA471-E3AC-6B4F-8891-208D4F1DC84B}"/>
+              </a:ext>
+            </a:extLst>
+          </p:cNvPr>
+          <p:cNvSpPr txBox="1"/>
+          <p:nvPr/>
+        </p:nvSpPr>
+        <p:spPr>
+          <a:xfrm>
+            <a:off x="2900018" y="4604814"/>
+            <a:ext cx="989758" cy="369332"/>
+          </a:xfrm>
+          <a:prstGeom prst="rect">
+            <a:avLst/>
+          </a:prstGeom>
+          <a:noFill/>
+        </p:spPr>
+        <p:txBody>
+          <a:bodyPr wrap="none" rtlCol="0">
+            <a:spAutoFit/>
+          </a:bodyPr>
+          <a:lstStyle/>
+          <a:p>
+            <a:r>
+              <a:rPr lang="en-US" dirty="0" err="1">
+                <a:solidFill>
+                  <a:schemeClr val="bg1"/>
+                </a:solidFill>
+              </a:rPr>
+              <a:t>Client.py</a:t>
+            </a:r>
+            <a:endParaRPr lang="en-US" dirty="0">
+              <a:solidFill>
+                <a:schemeClr val="bg1"/>
+              </a:solidFill>
+            </a:endParaRPr>
+          </a:p>
+        </p:txBody>
+      </p:sp>
+      <p:sp>
+        <p:nvSpPr>
+          <p:cNvPr id="11" name="TextBox 10">
+            <a:extLst>
+              <a:ext uri="{FF2B5EF4-FFF2-40B4-BE49-F238E27FC236}">
+                <a16:creationId xmlns:a16="http://schemas.microsoft.com/office/drawing/2014/main" id="{AADA5434-5B8E-6047-9763-D9B0682D6C16}"/>
+              </a:ext>
+            </a:extLst>
+          </p:cNvPr>
+          <p:cNvSpPr txBox="1"/>
+          <p:nvPr/>
+        </p:nvSpPr>
+        <p:spPr>
+          <a:xfrm>
+            <a:off x="7724902" y="4679418"/>
+            <a:ext cx="989758" cy="369332"/>
+          </a:xfrm>
+          <a:prstGeom prst="rect">
+            <a:avLst/>
+          </a:prstGeom>
+          <a:noFill/>
+        </p:spPr>
+        <p:txBody>
+          <a:bodyPr wrap="none" rtlCol="0">
+            <a:spAutoFit/>
+          </a:bodyPr>
+          <a:lstStyle/>
+          <a:p>
+            <a:r>
+              <a:rPr lang="en-US" dirty="0" err="1">
+                <a:solidFill>
+                  <a:schemeClr val="bg1"/>
+                </a:solidFill>
+              </a:rPr>
+              <a:t>Client.py</a:t>
+            </a:r>
+            <a:endParaRPr lang="en-US" dirty="0">
+              <a:solidFill>
+                <a:schemeClr val="bg1"/>
+              </a:solidFill>
+            </a:endParaRPr>
+          </a:p>
+        </p:txBody>
+      </p:sp>
+      <p:sp>
+        <p:nvSpPr>
+          <p:cNvPr id="12" name="TextBox 11">
+            <a:extLst>
+              <a:ext uri="{FF2B5EF4-FFF2-40B4-BE49-F238E27FC236}">
+                <a16:creationId xmlns:a16="http://schemas.microsoft.com/office/drawing/2014/main" id="{072E5BC5-1A60-D64B-A8D8-350830415B5C}"/>
+              </a:ext>
+            </a:extLst>
+          </p:cNvPr>
+          <p:cNvSpPr txBox="1"/>
+          <p:nvPr/>
+        </p:nvSpPr>
+        <p:spPr>
+          <a:xfrm>
+            <a:off x="2456179" y="443739"/>
+            <a:ext cx="1695498" cy="1200329"/>
+          </a:xfrm>
+          <a:prstGeom prst="rect">
+            <a:avLst/>
+          </a:prstGeom>
+          <a:noFill/>
+        </p:spPr>
+        <p:txBody>
+          <a:bodyPr wrap="square" rtlCol="0">
+            <a:spAutoFit/>
+          </a:bodyPr>
+          <a:lstStyle/>
+          <a:p>
+            <a:pPr algn="ctr"/>
+            <a:r>
+              <a:rPr lang="en-US" dirty="0">
+                <a:solidFill>
+                  <a:schemeClr val="bg1"/>
+                </a:solidFill>
+              </a:rPr>
+              <a:t>Flask </a:t>
+            </a:r>
+          </a:p>
+          <a:p>
+            <a:pPr algn="ctr"/>
+            <a:endParaRPr lang="en-US" dirty="0">
+              <a:solidFill>
+                <a:schemeClr val="bg1"/>
+              </a:solidFill>
+            </a:endParaRPr>
+          </a:p>
+          <a:p>
+            <a:pPr algn="ctr"/>
+            <a:endParaRPr lang="en-US" dirty="0">
+              <a:solidFill>
+                <a:schemeClr val="bg1"/>
+              </a:solidFill>
+            </a:endParaRPr>
+          </a:p>
+          <a:p>
+            <a:pPr algn="ctr"/>
+            <a:r>
+              <a:rPr lang="en-US" dirty="0" err="1">
+                <a:solidFill>
+                  <a:schemeClr val="bg1"/>
+                </a:solidFill>
+              </a:rPr>
+              <a:t>server.py</a:t>
+            </a:r>
+            <a:endParaRPr lang="en-US" dirty="0">
+              <a:solidFill>
+                <a:schemeClr val="bg1"/>
+              </a:solidFill>
+            </a:endParaRPr>
+          </a:p>
+        </p:txBody>
+      </p:sp>
+      <p:cxnSp>
+        <p:nvCxnSpPr>
+          <p:cNvPr id="16" name="Straight Arrow Connector 15">
+            <a:extLst>
+              <a:ext uri="{FF2B5EF4-FFF2-40B4-BE49-F238E27FC236}">
+                <a16:creationId xmlns:a16="http://schemas.microsoft.com/office/drawing/2014/main" id="{032BCD2A-8E15-EC4E-A0BE-E1DCEC1FBF1C}"/>
+              </a:ext>
+            </a:extLst>
+          </p:cNvPr>
+          <p:cNvCxnSpPr>
+            <a:cxnSpLocks/>
+          </p:cNvCxnSpPr>
+          <p:nvPr/>
+        </p:nvCxnSpPr>
+        <p:spPr>
+          <a:xfrm>
+            <a:off x="3228763" y="1735602"/>
+            <a:ext cx="0" cy="2210770"/>
+          </a:xfrm>
+          <a:prstGeom prst="straightConnector1">
+            <a:avLst/>
+          </a:prstGeom>
+          <a:ln w="41275">
+            <a:tailEnd type="triangle"/>
+          </a:ln>
+        </p:spPr>
+        <p:style>
+          <a:lnRef idx="1">
+            <a:schemeClr val="dk1"/>
+          </a:lnRef>
+          <a:fillRef idx="0">
+            <a:schemeClr val="dk1"/>
+          </a:fillRef>
+          <a:effectRef idx="0">
+            <a:schemeClr val="dk1"/>
+          </a:effectRef>
+          <a:fontRef idx="minor">
+            <a:schemeClr val="tx1"/>
+          </a:fontRef>
+        </p:style>
+      </p:cxnSp>
+      <p:cxnSp>
+        <p:nvCxnSpPr>
+          <p:cNvPr id="17" name="Straight Arrow Connector 16">
+            <a:extLst>
+              <a:ext uri="{FF2B5EF4-FFF2-40B4-BE49-F238E27FC236}">
+                <a16:creationId xmlns:a16="http://schemas.microsoft.com/office/drawing/2014/main" id="{C1AADB5D-877A-5A42-96AC-4AB2DA540344}"/>
+              </a:ext>
+            </a:extLst>
+          </p:cNvPr>
+          <p:cNvCxnSpPr>
+            <a:cxnSpLocks/>
+          </p:cNvCxnSpPr>
+          <p:nvPr/>
+        </p:nvCxnSpPr>
+        <p:spPr>
+          <a:xfrm flipV="1">
+            <a:off x="3370178" y="1705240"/>
+            <a:ext cx="0" cy="2241133"/>
+          </a:xfrm>
+          <a:prstGeom prst="straightConnector1">
+            <a:avLst/>
+          </a:prstGeom>
+          <a:ln w="41275">
+            <a:tailEnd type="triangle"/>
+          </a:ln>
+        </p:spPr>
+        <p:style>
+          <a:lnRef idx="1">
+            <a:schemeClr val="dk1"/>
+          </a:lnRef>
+          <a:fillRef idx="0">
+            <a:schemeClr val="dk1"/>
+          </a:fillRef>
+          <a:effectRef idx="0">
+            <a:schemeClr val="dk1"/>
+          </a:effectRef>
+          <a:fontRef idx="minor">
+            <a:schemeClr val="tx1"/>
+          </a:fontRef>
+        </p:style>
+      </p:cxnSp>
+      <p:cxnSp>
+        <p:nvCxnSpPr>
+          <p:cNvPr id="18" name="Straight Arrow Connector 17">
+            <a:extLst>
+              <a:ext uri="{FF2B5EF4-FFF2-40B4-BE49-F238E27FC236}">
+                <a16:creationId xmlns:a16="http://schemas.microsoft.com/office/drawing/2014/main" id="{A5DC5FC7-1335-2644-88F4-39DBBBC31DC9}"/>
+              </a:ext>
+            </a:extLst>
+          </p:cNvPr>
+          <p:cNvCxnSpPr>
+            <a:cxnSpLocks/>
+          </p:cNvCxnSpPr>
+          <p:nvPr/>
+        </p:nvCxnSpPr>
+        <p:spPr>
+          <a:xfrm flipH="1">
+            <a:off x="3464869" y="1207650"/>
+            <a:ext cx="4489344" cy="1"/>
+          </a:xfrm>
+          <a:prstGeom prst="straightConnector1">
+            <a:avLst/>
+          </a:prstGeom>
+          <a:ln w="41275">
+            <a:tailEnd type="triangle"/>
+          </a:ln>
+        </p:spPr>
+        <p:style>
+          <a:lnRef idx="1">
+            <a:schemeClr val="dk1"/>
+          </a:lnRef>
+          <a:fillRef idx="0">
+            <a:schemeClr val="dk1"/>
+          </a:fillRef>
+          <a:effectRef idx="0">
+            <a:schemeClr val="dk1"/>
+          </a:effectRef>
+          <a:fontRef idx="minor">
+            <a:schemeClr val="tx1"/>
+          </a:fontRef>
+        </p:style>
+      </p:cxnSp>
+      <p:cxnSp>
+        <p:nvCxnSpPr>
+          <p:cNvPr id="19" name="Straight Arrow Connector 18">
+            <a:extLst>
+              <a:ext uri="{FF2B5EF4-FFF2-40B4-BE49-F238E27FC236}">
+                <a16:creationId xmlns:a16="http://schemas.microsoft.com/office/drawing/2014/main" id="{753A3EEE-3D7F-9944-BDE7-EBBF48EEED76}"/>
+              </a:ext>
+            </a:extLst>
+          </p:cNvPr>
+          <p:cNvCxnSpPr>
+            <a:cxnSpLocks/>
+          </p:cNvCxnSpPr>
+          <p:nvPr/>
+        </p:nvCxnSpPr>
+        <p:spPr>
+          <a:xfrm>
+            <a:off x="3486778" y="851769"/>
+            <a:ext cx="4489344" cy="0"/>
+          </a:xfrm>
+          <a:prstGeom prst="straightConnector1">
+            <a:avLst/>
+          </a:prstGeom>
+          <a:ln w="41275">
+            <a:tailEnd type="triangle"/>
+          </a:ln>
+        </p:spPr>
+        <p:style>
+          <a:lnRef idx="1">
+            <a:schemeClr val="dk1"/>
+          </a:lnRef>
+          <a:fillRef idx="0">
+            <a:schemeClr val="dk1"/>
+          </a:fillRef>
+          <a:effectRef idx="0">
+            <a:schemeClr val="dk1"/>
+          </a:effectRef>
+          <a:fontRef idx="minor">
+            <a:schemeClr val="tx1"/>
+          </a:fontRef>
+        </p:style>
+      </p:cxnSp>
+      <p:pic>
+        <p:nvPicPr>
+          <p:cNvPr id="20" name="Picture 19">
+            <a:extLst>
+              <a:ext uri="{FF2B5EF4-FFF2-40B4-BE49-F238E27FC236}">
+                <a16:creationId xmlns:a16="http://schemas.microsoft.com/office/drawing/2014/main" id="{CACBB483-E220-9A4F-BE38-983177E8B26C}"/>
+              </a:ext>
+            </a:extLst>
+          </p:cNvPr>
+          <p:cNvPicPr>
+            <a:picLocks noChangeAspect="1"/>
+          </p:cNvPicPr>
+          <p:nvPr/>
+        </p:nvPicPr>
+        <p:blipFill>
+          <a:blip r:embed="rId4"/>
+          <a:stretch>
+            <a:fillRect/>
+          </a:stretch>
+        </p:blipFill>
+        <p:spPr>
+          <a:xfrm>
+            <a:off x="5454699" y="708510"/>
+            <a:ext cx="298658" cy="298658"/>
+          </a:xfrm>
+          <a:prstGeom prst="rect">
+            <a:avLst/>
+          </a:prstGeom>
+        </p:spPr>
+      </p:pic>
+      <p:pic>
+        <p:nvPicPr>
+          <p:cNvPr id="21" name="Picture 20">
+            <a:extLst>
+              <a:ext uri="{FF2B5EF4-FFF2-40B4-BE49-F238E27FC236}">
+                <a16:creationId xmlns:a16="http://schemas.microsoft.com/office/drawing/2014/main" id="{AE589D49-D6E5-C544-B3CB-36E540ECAF03}"/>
+              </a:ext>
+            </a:extLst>
+          </p:cNvPr>
+          <p:cNvPicPr>
+            <a:picLocks noChangeAspect="1"/>
+          </p:cNvPicPr>
+          <p:nvPr/>
+        </p:nvPicPr>
+        <p:blipFill>
+          <a:blip r:embed="rId4"/>
+          <a:stretch>
+            <a:fillRect/>
+          </a:stretch>
+        </p:blipFill>
+        <p:spPr>
+          <a:xfrm>
+            <a:off x="5410883" y="1055815"/>
+            <a:ext cx="298658" cy="298658"/>
+          </a:xfrm>
+          <a:prstGeom prst="rect">
+            <a:avLst/>
+          </a:prstGeom>
+        </p:spPr>
+      </p:pic>
+      <p:sp>
+        <p:nvSpPr>
+          <p:cNvPr id="31" name="TextBox 30">
+            <a:extLst>
+              <a:ext uri="{FF2B5EF4-FFF2-40B4-BE49-F238E27FC236}">
+                <a16:creationId xmlns:a16="http://schemas.microsoft.com/office/drawing/2014/main" id="{6E279890-FB3E-ED4E-81E0-B7FAA888E74C}"/>
+              </a:ext>
+            </a:extLst>
+          </p:cNvPr>
+          <p:cNvSpPr txBox="1"/>
+          <p:nvPr/>
+        </p:nvSpPr>
+        <p:spPr>
+          <a:xfrm>
+            <a:off x="7296880" y="395851"/>
+            <a:ext cx="1695498" cy="1200329"/>
+          </a:xfrm>
+          <a:prstGeom prst="rect">
+            <a:avLst/>
+          </a:prstGeom>
+          <a:noFill/>
+        </p:spPr>
+        <p:txBody>
+          <a:bodyPr wrap="square" rtlCol="0">
+            <a:spAutoFit/>
+          </a:bodyPr>
+          <a:lstStyle/>
+          <a:p>
+            <a:pPr algn="ctr"/>
+            <a:r>
+              <a:rPr lang="en-US" dirty="0">
+                <a:solidFill>
+                  <a:schemeClr val="bg1"/>
+                </a:solidFill>
+              </a:rPr>
+              <a:t>Flask </a:t>
+            </a:r>
+          </a:p>
+          <a:p>
+            <a:pPr algn="ctr"/>
+            <a:endParaRPr lang="en-US" dirty="0">
+              <a:solidFill>
+                <a:schemeClr val="bg1"/>
+              </a:solidFill>
+            </a:endParaRPr>
+          </a:p>
+          <a:p>
+            <a:pPr algn="ctr"/>
+            <a:endParaRPr lang="en-US" dirty="0">
+              <a:solidFill>
+                <a:schemeClr val="bg1"/>
+              </a:solidFill>
+            </a:endParaRPr>
+          </a:p>
+          <a:p>
+            <a:pPr algn="ctr"/>
+            <a:r>
+              <a:rPr lang="en-US" dirty="0" err="1">
+                <a:solidFill>
+                  <a:schemeClr val="bg1"/>
+                </a:solidFill>
+              </a:rPr>
+              <a:t>server.py</a:t>
+            </a:r>
+            <a:endParaRPr lang="en-US" dirty="0">
+              <a:solidFill>
+                <a:schemeClr val="bg1"/>
+              </a:solidFill>
+            </a:endParaRPr>
+          </a:p>
+        </p:txBody>
+      </p:sp>
+      <p:cxnSp>
+        <p:nvCxnSpPr>
+          <p:cNvPr id="33" name="Straight Arrow Connector 32">
+            <a:extLst>
+              <a:ext uri="{FF2B5EF4-FFF2-40B4-BE49-F238E27FC236}">
+                <a16:creationId xmlns:a16="http://schemas.microsoft.com/office/drawing/2014/main" id="{7F420A34-475E-AD4D-AAC5-94FF263CBDF7}"/>
+              </a:ext>
+            </a:extLst>
+          </p:cNvPr>
+          <p:cNvCxnSpPr>
+            <a:cxnSpLocks/>
+          </p:cNvCxnSpPr>
+          <p:nvPr/>
+        </p:nvCxnSpPr>
+        <p:spPr>
+          <a:xfrm>
+            <a:off x="8072553" y="1626542"/>
+            <a:ext cx="0" cy="2210770"/>
+          </a:xfrm>
+          <a:prstGeom prst="straightConnector1">
+            <a:avLst/>
+          </a:prstGeom>
+          <a:ln w="41275">
+            <a:tailEnd type="triangle"/>
+          </a:ln>
+        </p:spPr>
+        <p:style>
+          <a:lnRef idx="1">
+            <a:schemeClr val="dk1"/>
+          </a:lnRef>
+          <a:fillRef idx="0">
+            <a:schemeClr val="dk1"/>
+          </a:fillRef>
+          <a:effectRef idx="0">
+            <a:schemeClr val="dk1"/>
+          </a:effectRef>
+          <a:fontRef idx="minor">
+            <a:schemeClr val="tx1"/>
+          </a:fontRef>
+        </p:style>
+      </p:cxnSp>
+      <p:cxnSp>
+        <p:nvCxnSpPr>
+          <p:cNvPr id="34" name="Straight Arrow Connector 33">
+            <a:extLst>
+              <a:ext uri="{FF2B5EF4-FFF2-40B4-BE49-F238E27FC236}">
+                <a16:creationId xmlns:a16="http://schemas.microsoft.com/office/drawing/2014/main" id="{796244CD-EB4B-294B-9411-8A9AF4F8C3F1}"/>
+              </a:ext>
+            </a:extLst>
+          </p:cNvPr>
+          <p:cNvCxnSpPr>
+            <a:cxnSpLocks/>
+          </p:cNvCxnSpPr>
+          <p:nvPr/>
+        </p:nvCxnSpPr>
+        <p:spPr>
+          <a:xfrm flipV="1">
+            <a:off x="8213968" y="1596180"/>
+            <a:ext cx="0" cy="2241133"/>
+          </a:xfrm>
+          <a:prstGeom prst="straightConnector1">
+            <a:avLst/>
+          </a:prstGeom>
+          <a:ln w="41275">
+            <a:tailEnd type="triangle"/>
+          </a:ln>
+        </p:spPr>
+        <p:style>
+          <a:lnRef idx="1">
+            <a:schemeClr val="dk1"/>
+          </a:lnRef>
+          <a:fillRef idx="0">
+            <a:schemeClr val="dk1"/>
+          </a:fillRef>
+          <a:effectRef idx="0">
+            <a:schemeClr val="dk1"/>
+          </a:effectRef>
+          <a:fontRef idx="minor">
+            <a:schemeClr val="tx1"/>
+          </a:fontRef>
+        </p:style>
+      </p:cxnSp>
+    </p:spTree>
+    <p:extLst>
+      <p:ext uri="{BB962C8B-B14F-4D97-AF65-F5344CB8AC3E}">
+        <p14:creationId xmlns:p14="http://schemas.microsoft.com/office/powerpoint/2010/main" val="651824423"/>
+      </p:ext>
+    </p:extLst>
+  </p:cSld>
+  <p:clrMapOvr>
+    <a:masterClrMapping/>
+  </p:clrMapOvr>
+  <p:timing>
+    <p:tnLst>
+      <p:par>
+        <p:cTn id="1" dur="indefinite" restart="never" nodeType="tmRoot">
+          <p:childTnLst>
+            <p:seq concurrent="1" nextAc="seek">
+              <p:cTn id="2" dur="indefinite" nodeType="mainSeq">
+                <p:childTnLst>
+                  <p:par>
+                    <p:cTn id="3" fill="hold">
+                      <p:stCondLst>
+                        <p:cond delay="indefinite"/>
+                      </p:stCondLst>
+                      <p:childTnLst>
+                        <p:par>
+                          <p:cTn id="4" fill="hold">
+                            <p:stCondLst>
+                              <p:cond delay="0"/>
+                            </p:stCondLst>
+                            <p:childTnLst>
+                              <p:par>
+                                <p:cTn id="5" presetID="1" presetClass="entr" presetSubtype="0" fill="hold" nodeType="clickEffect">
+                                  <p:stCondLst>
+                                    <p:cond delay="0"/>
+                                  </p:stCondLst>
+                                  <p:childTnLst>
+                                    <p:set>
+                                      <p:cBhvr>
+                                        <p:cTn id="6" dur="1" fill="hold">
+                                          <p:stCondLst>
+                                            <p:cond delay="0"/>
+                                          </p:stCondLst>
+                                        </p:cTn>
+                                        <p:tgtEl>
+                                          <p:spTgt spid="19"/>
+                                        </p:tgtEl>
+                                        <p:attrNameLst>
+                                          <p:attrName>style.visibility</p:attrName>
+                                        </p:attrNameLst>
+                                      </p:cBhvr>
+                                      <p:to>
+                                        <p:strVal val="visible"/>
+                                      </p:to>
+                                    </p:set>
+                                  </p:childTnLst>
+                                </p:cTn>
+                              </p:par>
+                              <p:par>
+                                <p:cTn id="7" presetID="1" presetClass="entr" presetSubtype="0" fill="hold" nodeType="withEffect">
+                                  <p:stCondLst>
+                                    <p:cond delay="0"/>
+                                  </p:stCondLst>
+                                  <p:childTnLst>
+                                    <p:set>
+                                      <p:cBhvr>
+                                        <p:cTn id="8" dur="1" fill="hold">
+                                          <p:stCondLst>
+                                            <p:cond delay="0"/>
+                                          </p:stCondLst>
+                                        </p:cTn>
+                                        <p:tgtEl>
+                                          <p:spTgt spid="18"/>
+                                        </p:tgtEl>
+                                        <p:attrNameLst>
+                                          <p:attrName>style.visibility</p:attrName>
+                                        </p:attrNameLst>
+                                      </p:cBhvr>
+                                      <p:to>
+                                        <p:strVal val="visible"/>
+                                      </p:to>
+                                    </p:set>
+                                  </p:childTnLst>
+                                </p:cTn>
+                              </p:par>
+                              <p:par>
+                                <p:cTn id="9" presetID="1" presetClass="entr" presetSubtype="0" fill="hold" nodeType="withEffect">
+                                  <p:stCondLst>
+                                    <p:cond delay="0"/>
+                                  </p:stCondLst>
+                                  <p:childTnLst>
+                                    <p:set>
+                                      <p:cBhvr>
+                                        <p:cTn id="10" dur="1" fill="hold">
+                                          <p:stCondLst>
+                                            <p:cond delay="0"/>
+                                          </p:stCondLst>
+                                        </p:cTn>
+                                        <p:tgtEl>
+                                          <p:spTgt spid="21"/>
+                                        </p:tgtEl>
+                                        <p:attrNameLst>
+                                          <p:attrName>style.visibility</p:attrName>
+                                        </p:attrNameLst>
+                                      </p:cBhvr>
+                                      <p:to>
+                                        <p:strVal val="visible"/>
+                                      </p:to>
+                                    </p:set>
+                                  </p:childTnLst>
+                                </p:cTn>
+                              </p:par>
+                              <p:par>
+                                <p:cTn id="11" presetID="1" presetClass="entr" presetSubtype="0" fill="hold" nodeType="withEffect">
+                                  <p:stCondLst>
+                                    <p:cond delay="0"/>
+                                  </p:stCondLst>
+                                  <p:childTnLst>
+                                    <p:set>
+                                      <p:cBhvr>
+                                        <p:cTn id="12" dur="1" fill="hold">
+                                          <p:stCondLst>
+                                            <p:cond delay="0"/>
+                                          </p:stCondLst>
+                                        </p:cTn>
+                                        <p:tgtEl>
+                                          <p:spTgt spid="20"/>
+                                        </p:tgtEl>
+                                        <p:attrNameLst>
+                                          <p:attrName>style.visibility</p:attrName>
+                                        </p:attrNameLst>
+                                      </p:cBhvr>
+                                      <p:to>
+                                        <p:strVal val="visible"/>
+                                      </p:to>
+                                    </p:set>
+                                  </p:childTnLst>
+                                </p:cTn>
+                              </p:par>
+                            </p:childTnLst>
+                          </p:cTn>
+                        </p:par>
+                      </p:childTnLst>
+                    </p:cTn>
+                  </p:par>
+                  <p:par>
+                    <p:cTn id="13" fill="hold">
+                      <p:stCondLst>
+                        <p:cond delay="indefinite"/>
+                      </p:stCondLst>
+                      <p:childTnLst>
+                        <p:par>
+                          <p:cTn id="14" fill="hold">
+                            <p:stCondLst>
+                              <p:cond delay="0"/>
+                            </p:stCondLst>
+                            <p:childTnLst>
+                              <p:par>
+                                <p:cTn id="15" presetID="42" presetClass="path" presetSubtype="0" accel="50000" decel="50000" fill="hold" nodeType="clickEffect">
+                                  <p:stCondLst>
+                                    <p:cond delay="0"/>
+                                  </p:stCondLst>
+                                  <p:childTnLst>
+                                    <p:animMotion origin="layout" path="M -4.375E-6 3.7037E-6 L 0.34922 3.7037E-6 " pathEditMode="relative" rAng="0" ptsTypes="AA">
+                                      <p:cBhvr>
+                                        <p:cTn id="16" dur="1000" fill="hold"/>
+                                        <p:tgtEl>
+                                          <p:spTgt spid="20"/>
+                                        </p:tgtEl>
+                                        <p:attrNameLst>
+                                          <p:attrName>ppt_x</p:attrName>
+                                          <p:attrName>ppt_y</p:attrName>
+                                        </p:attrNameLst>
+                                      </p:cBhvr>
+                                      <p:rCtr x="17461" y="0"/>
+                                    </p:animMotion>
+                                  </p:childTnLst>
+                                </p:cTn>
+                              </p:par>
+                              <p:par>
+                                <p:cTn id="17" presetID="42" presetClass="path" presetSubtype="0" accel="50000" decel="50000" fill="hold" nodeType="withEffect">
+                                  <p:stCondLst>
+                                    <p:cond delay="0"/>
+                                  </p:stCondLst>
+                                  <p:childTnLst>
+                                    <p:animMotion origin="layout" path="M 2.91667E-6 4.44444E-6 L -0.35599 -0.00325 " pathEditMode="relative" rAng="0" ptsTypes="AA">
+                                      <p:cBhvr>
+                                        <p:cTn id="18" dur="1000" fill="hold"/>
+                                        <p:tgtEl>
+                                          <p:spTgt spid="21"/>
+                                        </p:tgtEl>
+                                        <p:attrNameLst>
+                                          <p:attrName>ppt_x</p:attrName>
+                                          <p:attrName>ppt_y</p:attrName>
+                                        </p:attrNameLst>
+                                      </p:cBhvr>
+                                      <p:rCtr x="-17799" y="-162"/>
+                                    </p:animMotion>
+                                  </p:childTnLst>
+                                </p:cTn>
+                              </p:par>
+                            </p:childTnLst>
+                          </p:cTn>
+                        </p:par>
+                      </p:childTnLst>
+                    </p:cTn>
+                  </p:par>
+                </p:childTnLst>
+              </p:cTn>
+              <p:prevCondLst>
+                <p:cond evt="onPrev" delay="0">
+                  <p:tgtEl>
+                    <p:sldTgt/>
+                  </p:tgtEl>
+                </p:cond>
+              </p:prevCondLst>
+              <p:nextCondLst>
+                <p:cond evt="onNext" delay="0">
+                  <p:tgtEl>
+                    <p:sldTgt/>
+                  </p:tgtEl>
+                </p:cond>
+              </p:nextCondLst>
+            </p:seq>
+          </p:childTnLst>
+        </p:cTn>
+      </p:par>
+    </p:tnLst>
+  </p:timing>
+</p:sld>
+</file>
+
+<file path=ppt/slides/slide22.xml><?xml version="1.0" encoding="utf-8"?>
+<p:sld xmlns:a="http://schemas.openxmlformats.org/drawingml/2006/main" xmlns:r="http://schemas.openxmlformats.org/officeDocument/2006/relationships" xmlns:p="http://schemas.openxmlformats.org/presentationml/2006/main">
+  <p:cSld>
+    <p:bg>
+      <p:bgPr>
+        <a:solidFill>
+          <a:schemeClr val="tx1"/>
+        </a:solidFill>
+        <a:effectLst/>
+      </p:bgPr>
+    </p:bg>
+    <p:spTree>
+      <p:nvGrpSpPr>
+        <p:cNvPr id="1" name=""/>
+        <p:cNvGrpSpPr/>
+        <p:nvPr/>
+      </p:nvGrpSpPr>
+      <p:grpSpPr>
+        <a:xfrm>
+          <a:off x="0" y="0"/>
+          <a:ext cx="0" cy="0"/>
+          <a:chOff x="0" y="0"/>
+          <a:chExt cx="0" cy="0"/>
+        </a:xfrm>
+      </p:grpSpPr>
+      <p:pic>
+        <p:nvPicPr>
+          <p:cNvPr id="6" name="Content Placeholder 4">
+            <a:extLst>
+              <a:ext uri="{FF2B5EF4-FFF2-40B4-BE49-F238E27FC236}">
+                <a16:creationId xmlns:a16="http://schemas.microsoft.com/office/drawing/2014/main" id="{0C0EEC82-D267-D449-81CC-BE121B0CBBBC}"/>
+              </a:ext>
+            </a:extLst>
+          </p:cNvPr>
+          <p:cNvPicPr>
+            <a:picLocks noGrp="1" noChangeAspect="1"/>
+          </p:cNvPicPr>
+          <p:nvPr>
+            <p:ph idx="1"/>
+          </p:nvPr>
+        </p:nvPicPr>
+        <p:blipFill>
+          <a:blip r:embed="rId2"/>
+          <a:stretch>
+            <a:fillRect/>
+          </a:stretch>
+        </p:blipFill>
+        <p:spPr>
+          <a:xfrm>
+            <a:off x="3122676" y="730761"/>
+            <a:ext cx="335540" cy="650109"/>
+          </a:xfrm>
+        </p:spPr>
+      </p:pic>
+      <p:pic>
+        <p:nvPicPr>
+          <p:cNvPr id="7" name="Picture 6">
+            <a:extLst>
+              <a:ext uri="{FF2B5EF4-FFF2-40B4-BE49-F238E27FC236}">
+                <a16:creationId xmlns:a16="http://schemas.microsoft.com/office/drawing/2014/main" id="{2696B385-8BD8-384C-9428-79B074D3DE8C}"/>
+              </a:ext>
+            </a:extLst>
+          </p:cNvPr>
+          <p:cNvPicPr>
+            <a:picLocks noChangeAspect="1"/>
+          </p:cNvPicPr>
+          <p:nvPr/>
+        </p:nvPicPr>
+        <p:blipFill>
+          <a:blip r:embed="rId3"/>
+          <a:stretch>
+            <a:fillRect/>
+          </a:stretch>
+        </p:blipFill>
+        <p:spPr>
+          <a:xfrm>
+            <a:off x="2737548" y="3891224"/>
+            <a:ext cx="1030583" cy="727470"/>
+          </a:xfrm>
+          <a:prstGeom prst="rect">
+            <a:avLst/>
+          </a:prstGeom>
+        </p:spPr>
+      </p:pic>
+      <p:pic>
+        <p:nvPicPr>
+          <p:cNvPr id="8" name="Picture 7">
+            <a:extLst>
+              <a:ext uri="{FF2B5EF4-FFF2-40B4-BE49-F238E27FC236}">
+                <a16:creationId xmlns:a16="http://schemas.microsoft.com/office/drawing/2014/main" id="{9A386EBA-36EE-E842-A73F-5DD8D02C0AC4}"/>
+              </a:ext>
+            </a:extLst>
+          </p:cNvPr>
+          <p:cNvPicPr>
+            <a:picLocks noChangeAspect="1"/>
+          </p:cNvPicPr>
+          <p:nvPr/>
+        </p:nvPicPr>
+        <p:blipFill>
+          <a:blip r:embed="rId3"/>
+          <a:stretch>
+            <a:fillRect/>
+          </a:stretch>
+        </p:blipFill>
+        <p:spPr>
+          <a:xfrm>
+            <a:off x="7629338" y="3951948"/>
+            <a:ext cx="1030583" cy="727470"/>
+          </a:xfrm>
+          <a:prstGeom prst="rect">
+            <a:avLst/>
+          </a:prstGeom>
+        </p:spPr>
+      </p:pic>
+      <p:pic>
+        <p:nvPicPr>
+          <p:cNvPr id="9" name="Content Placeholder 4">
+            <a:extLst>
+              <a:ext uri="{FF2B5EF4-FFF2-40B4-BE49-F238E27FC236}">
+                <a16:creationId xmlns:a16="http://schemas.microsoft.com/office/drawing/2014/main" id="{9B063516-343C-0B45-BB5B-70235AAE82C7}"/>
+              </a:ext>
+            </a:extLst>
+          </p:cNvPr>
+          <p:cNvPicPr>
+            <a:picLocks noChangeAspect="1"/>
+          </p:cNvPicPr>
+          <p:nvPr/>
+        </p:nvPicPr>
+        <p:blipFill>
+          <a:blip r:embed="rId2"/>
+          <a:stretch>
+            <a:fillRect/>
+          </a:stretch>
+        </p:blipFill>
+        <p:spPr>
+          <a:xfrm>
+            <a:off x="7976860" y="670961"/>
+            <a:ext cx="335540" cy="650109"/>
+          </a:xfrm>
+          <a:prstGeom prst="rect">
+            <a:avLst/>
+          </a:prstGeom>
+        </p:spPr>
+      </p:pic>
+      <p:sp>
+        <p:nvSpPr>
+          <p:cNvPr id="10" name="TextBox 9">
+            <a:extLst>
+              <a:ext uri="{FF2B5EF4-FFF2-40B4-BE49-F238E27FC236}">
+                <a16:creationId xmlns:a16="http://schemas.microsoft.com/office/drawing/2014/main" id="{6C4CA471-E3AC-6B4F-8891-208D4F1DC84B}"/>
+              </a:ext>
+            </a:extLst>
+          </p:cNvPr>
+          <p:cNvSpPr txBox="1"/>
+          <p:nvPr/>
+        </p:nvSpPr>
+        <p:spPr>
+          <a:xfrm>
+            <a:off x="2900018" y="4604814"/>
+            <a:ext cx="989758" cy="369332"/>
+          </a:xfrm>
+          <a:prstGeom prst="rect">
+            <a:avLst/>
+          </a:prstGeom>
+          <a:noFill/>
+        </p:spPr>
+        <p:txBody>
+          <a:bodyPr wrap="none" rtlCol="0">
+            <a:spAutoFit/>
+          </a:bodyPr>
+          <a:lstStyle/>
+          <a:p>
+            <a:r>
+              <a:rPr lang="en-US" dirty="0" err="1">
+                <a:solidFill>
+                  <a:schemeClr val="bg1"/>
+                </a:solidFill>
+              </a:rPr>
+              <a:t>Client.py</a:t>
+            </a:r>
+            <a:endParaRPr lang="en-US" dirty="0">
+              <a:solidFill>
+                <a:schemeClr val="bg1"/>
+              </a:solidFill>
+            </a:endParaRPr>
+          </a:p>
+        </p:txBody>
+      </p:sp>
+      <p:sp>
+        <p:nvSpPr>
+          <p:cNvPr id="11" name="TextBox 10">
+            <a:extLst>
+              <a:ext uri="{FF2B5EF4-FFF2-40B4-BE49-F238E27FC236}">
+                <a16:creationId xmlns:a16="http://schemas.microsoft.com/office/drawing/2014/main" id="{AADA5434-5B8E-6047-9763-D9B0682D6C16}"/>
+              </a:ext>
+            </a:extLst>
+          </p:cNvPr>
+          <p:cNvSpPr txBox="1"/>
+          <p:nvPr/>
+        </p:nvSpPr>
+        <p:spPr>
+          <a:xfrm>
+            <a:off x="7724902" y="4679418"/>
+            <a:ext cx="989758" cy="369332"/>
+          </a:xfrm>
+          <a:prstGeom prst="rect">
+            <a:avLst/>
+          </a:prstGeom>
+          <a:noFill/>
+        </p:spPr>
+        <p:txBody>
+          <a:bodyPr wrap="none" rtlCol="0">
+            <a:spAutoFit/>
+          </a:bodyPr>
+          <a:lstStyle/>
+          <a:p>
+            <a:r>
+              <a:rPr lang="en-US" dirty="0" err="1">
+                <a:solidFill>
+                  <a:schemeClr val="bg1"/>
+                </a:solidFill>
+              </a:rPr>
+              <a:t>Client.py</a:t>
+            </a:r>
+            <a:endParaRPr lang="en-US" dirty="0">
+              <a:solidFill>
+                <a:schemeClr val="bg1"/>
+              </a:solidFill>
+            </a:endParaRPr>
+          </a:p>
+        </p:txBody>
+      </p:sp>
+      <p:sp>
+        <p:nvSpPr>
+          <p:cNvPr id="12" name="TextBox 11">
+            <a:extLst>
+              <a:ext uri="{FF2B5EF4-FFF2-40B4-BE49-F238E27FC236}">
+                <a16:creationId xmlns:a16="http://schemas.microsoft.com/office/drawing/2014/main" id="{072E5BC5-1A60-D64B-A8D8-350830415B5C}"/>
+              </a:ext>
+            </a:extLst>
+          </p:cNvPr>
+          <p:cNvSpPr txBox="1"/>
+          <p:nvPr/>
+        </p:nvSpPr>
+        <p:spPr>
+          <a:xfrm>
+            <a:off x="2456179" y="443739"/>
+            <a:ext cx="1695498" cy="1200329"/>
+          </a:xfrm>
+          <a:prstGeom prst="rect">
+            <a:avLst/>
+          </a:prstGeom>
+          <a:noFill/>
+        </p:spPr>
+        <p:txBody>
+          <a:bodyPr wrap="square" rtlCol="0">
+            <a:spAutoFit/>
+          </a:bodyPr>
+          <a:lstStyle/>
+          <a:p>
+            <a:pPr algn="ctr"/>
+            <a:r>
+              <a:rPr lang="en-US" dirty="0">
+                <a:solidFill>
+                  <a:schemeClr val="bg1"/>
+                </a:solidFill>
+              </a:rPr>
+              <a:t>Flask </a:t>
+            </a:r>
+          </a:p>
+          <a:p>
+            <a:pPr algn="ctr"/>
+            <a:endParaRPr lang="en-US" dirty="0">
+              <a:solidFill>
+                <a:schemeClr val="bg1"/>
+              </a:solidFill>
+            </a:endParaRPr>
+          </a:p>
+          <a:p>
+            <a:pPr algn="ctr"/>
+            <a:endParaRPr lang="en-US" dirty="0">
+              <a:solidFill>
+                <a:schemeClr val="bg1"/>
+              </a:solidFill>
+            </a:endParaRPr>
+          </a:p>
+          <a:p>
+            <a:pPr algn="ctr"/>
+            <a:r>
+              <a:rPr lang="en-US" dirty="0" err="1">
+                <a:solidFill>
+                  <a:schemeClr val="bg1"/>
+                </a:solidFill>
+              </a:rPr>
+              <a:t>server.py</a:t>
+            </a:r>
+            <a:endParaRPr lang="en-US" dirty="0">
+              <a:solidFill>
+                <a:schemeClr val="bg1"/>
+              </a:solidFill>
+            </a:endParaRPr>
+          </a:p>
+        </p:txBody>
+      </p:sp>
+      <p:cxnSp>
+        <p:nvCxnSpPr>
+          <p:cNvPr id="16" name="Straight Arrow Connector 15">
+            <a:extLst>
+              <a:ext uri="{FF2B5EF4-FFF2-40B4-BE49-F238E27FC236}">
+                <a16:creationId xmlns:a16="http://schemas.microsoft.com/office/drawing/2014/main" id="{032BCD2A-8E15-EC4E-A0BE-E1DCEC1FBF1C}"/>
+              </a:ext>
+            </a:extLst>
+          </p:cNvPr>
+          <p:cNvCxnSpPr>
+            <a:cxnSpLocks/>
+          </p:cNvCxnSpPr>
+          <p:nvPr/>
+        </p:nvCxnSpPr>
+        <p:spPr>
+          <a:xfrm>
+            <a:off x="3305233" y="1596180"/>
+            <a:ext cx="0" cy="652596"/>
+          </a:xfrm>
+          <a:prstGeom prst="straightConnector1">
+            <a:avLst/>
+          </a:prstGeom>
+          <a:ln w="41275">
+            <a:solidFill>
+              <a:schemeClr val="accent6">
+                <a:lumMod val="50000"/>
+              </a:schemeClr>
+            </a:solidFill>
+            <a:tailEnd type="triangle"/>
+          </a:ln>
+        </p:spPr>
+        <p:style>
+          <a:lnRef idx="1">
+            <a:schemeClr val="dk1"/>
+          </a:lnRef>
+          <a:fillRef idx="0">
+            <a:schemeClr val="dk1"/>
+          </a:fillRef>
+          <a:effectRef idx="0">
+            <a:schemeClr val="dk1"/>
+          </a:effectRef>
+          <a:fontRef idx="minor">
+            <a:schemeClr val="tx1"/>
+          </a:fontRef>
+        </p:style>
+      </p:cxnSp>
+      <p:cxnSp>
+        <p:nvCxnSpPr>
+          <p:cNvPr id="17" name="Straight Arrow Connector 16">
+            <a:extLst>
+              <a:ext uri="{FF2B5EF4-FFF2-40B4-BE49-F238E27FC236}">
+                <a16:creationId xmlns:a16="http://schemas.microsoft.com/office/drawing/2014/main" id="{C1AADB5D-877A-5A42-96AC-4AB2DA540344}"/>
+              </a:ext>
+            </a:extLst>
+          </p:cNvPr>
+          <p:cNvCxnSpPr>
+            <a:cxnSpLocks/>
+          </p:cNvCxnSpPr>
+          <p:nvPr/>
+        </p:nvCxnSpPr>
+        <p:spPr>
+          <a:xfrm flipV="1">
+            <a:off x="3314997" y="3177684"/>
+            <a:ext cx="0" cy="774264"/>
+          </a:xfrm>
+          <a:prstGeom prst="straightConnector1">
+            <a:avLst/>
+          </a:prstGeom>
+          <a:ln w="41275">
+            <a:solidFill>
+              <a:schemeClr val="accent6">
+                <a:lumMod val="50000"/>
+              </a:schemeClr>
+            </a:solidFill>
+            <a:tailEnd type="triangle"/>
+          </a:ln>
+        </p:spPr>
+        <p:style>
+          <a:lnRef idx="1">
+            <a:schemeClr val="dk1"/>
+          </a:lnRef>
+          <a:fillRef idx="0">
+            <a:schemeClr val="dk1"/>
+          </a:fillRef>
+          <a:effectRef idx="0">
+            <a:schemeClr val="dk1"/>
+          </a:effectRef>
+          <a:fontRef idx="minor">
+            <a:schemeClr val="tx1"/>
+          </a:fontRef>
+        </p:style>
+      </p:cxnSp>
+      <p:cxnSp>
+        <p:nvCxnSpPr>
+          <p:cNvPr id="18" name="Straight Arrow Connector 17">
+            <a:extLst>
+              <a:ext uri="{FF2B5EF4-FFF2-40B4-BE49-F238E27FC236}">
+                <a16:creationId xmlns:a16="http://schemas.microsoft.com/office/drawing/2014/main" id="{A5DC5FC7-1335-2644-88F4-39DBBBC31DC9}"/>
+              </a:ext>
+            </a:extLst>
+          </p:cNvPr>
+          <p:cNvCxnSpPr>
+            <a:cxnSpLocks/>
+            <a:stCxn id="8" idx="1"/>
+          </p:cNvCxnSpPr>
+          <p:nvPr/>
+        </p:nvCxnSpPr>
+        <p:spPr>
+          <a:xfrm flipH="1" flipV="1">
+            <a:off x="3464870" y="1207651"/>
+            <a:ext cx="4164468" cy="3108032"/>
+          </a:xfrm>
+          <a:prstGeom prst="straightConnector1">
+            <a:avLst/>
+          </a:prstGeom>
+          <a:ln w="41275">
+            <a:solidFill>
+              <a:schemeClr val="accent4">
+                <a:lumMod val="50000"/>
+                <a:alpha val="64000"/>
+              </a:schemeClr>
+            </a:solidFill>
+            <a:tailEnd type="triangle"/>
+          </a:ln>
+        </p:spPr>
+        <p:style>
+          <a:lnRef idx="1">
+            <a:schemeClr val="dk1"/>
+          </a:lnRef>
+          <a:fillRef idx="0">
+            <a:schemeClr val="dk1"/>
+          </a:fillRef>
+          <a:effectRef idx="0">
+            <a:schemeClr val="dk1"/>
+          </a:effectRef>
+          <a:fontRef idx="minor">
+            <a:schemeClr val="tx1"/>
+          </a:fontRef>
+        </p:style>
+      </p:cxnSp>
+      <p:cxnSp>
+        <p:nvCxnSpPr>
+          <p:cNvPr id="19" name="Straight Arrow Connector 18">
+            <a:extLst>
+              <a:ext uri="{FF2B5EF4-FFF2-40B4-BE49-F238E27FC236}">
+                <a16:creationId xmlns:a16="http://schemas.microsoft.com/office/drawing/2014/main" id="{753A3EEE-3D7F-9944-BDE7-EBBF48EEED76}"/>
+              </a:ext>
+            </a:extLst>
+          </p:cNvPr>
+          <p:cNvCxnSpPr>
+            <a:cxnSpLocks/>
+          </p:cNvCxnSpPr>
+          <p:nvPr/>
+        </p:nvCxnSpPr>
+        <p:spPr>
+          <a:xfrm>
+            <a:off x="3419505" y="961053"/>
+            <a:ext cx="4142560" cy="3100179"/>
+          </a:xfrm>
+          <a:prstGeom prst="straightConnector1">
+            <a:avLst/>
+          </a:prstGeom>
+          <a:ln w="41275">
+            <a:solidFill>
+              <a:schemeClr val="accent4">
+                <a:lumMod val="50000"/>
+                <a:alpha val="64000"/>
+              </a:schemeClr>
+            </a:solidFill>
+            <a:tailEnd type="triangle"/>
+          </a:ln>
+        </p:spPr>
+        <p:style>
+          <a:lnRef idx="1">
+            <a:schemeClr val="dk1"/>
+          </a:lnRef>
+          <a:fillRef idx="0">
+            <a:schemeClr val="dk1"/>
+          </a:fillRef>
+          <a:effectRef idx="0">
+            <a:schemeClr val="dk1"/>
+          </a:effectRef>
+          <a:fontRef idx="minor">
+            <a:schemeClr val="tx1"/>
+          </a:fontRef>
+        </p:style>
+      </p:cxnSp>
+      <p:pic>
+        <p:nvPicPr>
+          <p:cNvPr id="20" name="Picture 19">
+            <a:extLst>
+              <a:ext uri="{FF2B5EF4-FFF2-40B4-BE49-F238E27FC236}">
+                <a16:creationId xmlns:a16="http://schemas.microsoft.com/office/drawing/2014/main" id="{CACBB483-E220-9A4F-BE38-983177E8B26C}"/>
+              </a:ext>
+            </a:extLst>
+          </p:cNvPr>
+          <p:cNvPicPr>
+            <a:picLocks noChangeAspect="1"/>
+          </p:cNvPicPr>
+          <p:nvPr/>
+        </p:nvPicPr>
+        <p:blipFill>
+          <a:blip r:embed="rId4"/>
+          <a:stretch>
+            <a:fillRect/>
+          </a:stretch>
+        </p:blipFill>
+        <p:spPr>
+          <a:xfrm>
+            <a:off x="4464996" y="1773149"/>
+            <a:ext cx="298658" cy="298658"/>
+          </a:xfrm>
+          <a:prstGeom prst="rect">
+            <a:avLst/>
+          </a:prstGeom>
+        </p:spPr>
+      </p:pic>
+      <p:sp>
+        <p:nvSpPr>
+          <p:cNvPr id="31" name="TextBox 30">
+            <a:extLst>
+              <a:ext uri="{FF2B5EF4-FFF2-40B4-BE49-F238E27FC236}">
+                <a16:creationId xmlns:a16="http://schemas.microsoft.com/office/drawing/2014/main" id="{6E279890-FB3E-ED4E-81E0-B7FAA888E74C}"/>
+              </a:ext>
+            </a:extLst>
+          </p:cNvPr>
+          <p:cNvSpPr txBox="1"/>
+          <p:nvPr/>
+        </p:nvSpPr>
+        <p:spPr>
+          <a:xfrm>
+            <a:off x="7296880" y="395851"/>
+            <a:ext cx="1695498" cy="1200329"/>
+          </a:xfrm>
+          <a:prstGeom prst="rect">
+            <a:avLst/>
+          </a:prstGeom>
+          <a:noFill/>
+        </p:spPr>
+        <p:txBody>
+          <a:bodyPr wrap="square" rtlCol="0">
+            <a:spAutoFit/>
+          </a:bodyPr>
+          <a:lstStyle/>
+          <a:p>
+            <a:pPr algn="ctr"/>
+            <a:r>
+              <a:rPr lang="en-US" dirty="0">
+                <a:solidFill>
+                  <a:schemeClr val="bg1"/>
+                </a:solidFill>
+              </a:rPr>
+              <a:t>Flask </a:t>
+            </a:r>
+          </a:p>
+          <a:p>
+            <a:pPr algn="ctr"/>
+            <a:endParaRPr lang="en-US" dirty="0">
+              <a:solidFill>
+                <a:schemeClr val="bg1"/>
+              </a:solidFill>
+            </a:endParaRPr>
+          </a:p>
+          <a:p>
+            <a:pPr algn="ctr"/>
+            <a:endParaRPr lang="en-US" dirty="0">
+              <a:solidFill>
+                <a:schemeClr val="bg1"/>
+              </a:solidFill>
+            </a:endParaRPr>
+          </a:p>
+          <a:p>
+            <a:pPr algn="ctr"/>
+            <a:r>
+              <a:rPr lang="en-US" dirty="0" err="1">
+                <a:solidFill>
+                  <a:schemeClr val="bg1"/>
+                </a:solidFill>
+              </a:rPr>
+              <a:t>server.py</a:t>
+            </a:r>
+            <a:endParaRPr lang="en-US" dirty="0">
+              <a:solidFill>
+                <a:schemeClr val="bg1"/>
+              </a:solidFill>
+            </a:endParaRPr>
+          </a:p>
+        </p:txBody>
+      </p:sp>
+      <p:pic>
+        <p:nvPicPr>
+          <p:cNvPr id="1026" name="Picture 2">
+            <a:extLst>
+              <a:ext uri="{FF2B5EF4-FFF2-40B4-BE49-F238E27FC236}">
+                <a16:creationId xmlns:a16="http://schemas.microsoft.com/office/drawing/2014/main" id="{3582566E-6A03-7D41-BA4C-07C80C4541FD}"/>
+              </a:ext>
+            </a:extLst>
+          </p:cNvPr>
+          <p:cNvPicPr>
+            <a:picLocks noChangeAspect="1" noChangeArrowheads="1"/>
+          </p:cNvPicPr>
+          <p:nvPr/>
+        </p:nvPicPr>
+        <p:blipFill>
+          <a:blip r:embed="rId5">
+            <a:extLst>
+              <a:ext uri="{28A0092B-C50C-407E-A947-70E740481C1C}">
+                <a14:useLocalDpi xmlns:a14="http://schemas.microsoft.com/office/drawing/2010/main" val="0"/>
+              </a:ext>
+            </a:extLst>
+          </a:blip>
+          <a:srcRect/>
+          <a:stretch>
+            <a:fillRect/>
+          </a:stretch>
+        </p:blipFill>
+        <p:spPr bwMode="auto">
+          <a:xfrm>
+            <a:off x="2816607" y="2239172"/>
+            <a:ext cx="824312" cy="932939"/>
+          </a:xfrm>
+          <a:prstGeom prst="rect">
+            <a:avLst/>
+          </a:prstGeom>
+          <a:ln w="41275">
+            <a:solidFill>
+              <a:schemeClr val="accent6">
+                <a:lumMod val="50000"/>
+              </a:schemeClr>
+            </a:solidFill>
+            <a:tailEnd type="triangle"/>
+          </a:ln>
+          <a:extLst>
+            <a:ext uri="{909E8E84-426E-40DD-AFC4-6F175D3DCCD1}">
+              <a14:hiddenFill xmlns:a14="http://schemas.microsoft.com/office/drawing/2010/main">
+                <a:solidFill>
+                  <a:srgbClr val="FFFFFF"/>
+                </a:solidFill>
+              </a14:hiddenFill>
+            </a:ext>
+          </a:extLst>
+        </p:spPr>
+      </p:pic>
+      <p:cxnSp>
+        <p:nvCxnSpPr>
+          <p:cNvPr id="27" name="Straight Arrow Connector 26">
+            <a:extLst>
+              <a:ext uri="{FF2B5EF4-FFF2-40B4-BE49-F238E27FC236}">
+                <a16:creationId xmlns:a16="http://schemas.microsoft.com/office/drawing/2014/main" id="{56B2EDBC-7F91-EB4C-B001-648BA6BFA7E4}"/>
+              </a:ext>
+            </a:extLst>
+          </p:cNvPr>
+          <p:cNvCxnSpPr>
+            <a:cxnSpLocks/>
+          </p:cNvCxnSpPr>
+          <p:nvPr/>
+        </p:nvCxnSpPr>
+        <p:spPr>
+          <a:xfrm>
+            <a:off x="8164749" y="1579240"/>
+            <a:ext cx="0" cy="652596"/>
+          </a:xfrm>
+          <a:prstGeom prst="straightConnector1">
+            <a:avLst/>
+          </a:prstGeom>
+          <a:ln w="41275">
+            <a:solidFill>
+              <a:schemeClr val="accent4">
+                <a:lumMod val="50000"/>
+              </a:schemeClr>
+            </a:solidFill>
+            <a:tailEnd type="triangle"/>
+          </a:ln>
+        </p:spPr>
+        <p:style>
+          <a:lnRef idx="1">
+            <a:schemeClr val="dk1"/>
+          </a:lnRef>
+          <a:fillRef idx="0">
+            <a:schemeClr val="dk1"/>
+          </a:fillRef>
+          <a:effectRef idx="0">
+            <a:schemeClr val="dk1"/>
+          </a:effectRef>
+          <a:fontRef idx="minor">
+            <a:schemeClr val="tx1"/>
+          </a:fontRef>
+        </p:style>
+      </p:cxnSp>
+      <p:cxnSp>
+        <p:nvCxnSpPr>
+          <p:cNvPr id="28" name="Straight Arrow Connector 27">
+            <a:extLst>
+              <a:ext uri="{FF2B5EF4-FFF2-40B4-BE49-F238E27FC236}">
+                <a16:creationId xmlns:a16="http://schemas.microsoft.com/office/drawing/2014/main" id="{D6FE9EF9-E0F7-3941-8EA3-7CED45CC439B}"/>
+              </a:ext>
+            </a:extLst>
+          </p:cNvPr>
+          <p:cNvCxnSpPr>
+            <a:cxnSpLocks/>
+          </p:cNvCxnSpPr>
+          <p:nvPr/>
+        </p:nvCxnSpPr>
+        <p:spPr>
+          <a:xfrm flipV="1">
+            <a:off x="8228303" y="3160744"/>
+            <a:ext cx="0" cy="774264"/>
+          </a:xfrm>
+          <a:prstGeom prst="straightConnector1">
+            <a:avLst/>
+          </a:prstGeom>
+          <a:ln w="41275">
+            <a:solidFill>
+              <a:schemeClr val="accent4">
+                <a:lumMod val="50000"/>
+              </a:schemeClr>
+            </a:solidFill>
+            <a:tailEnd type="triangle"/>
+          </a:ln>
+        </p:spPr>
+        <p:style>
+          <a:lnRef idx="1">
+            <a:schemeClr val="dk1"/>
+          </a:lnRef>
+          <a:fillRef idx="0">
+            <a:schemeClr val="dk1"/>
+          </a:fillRef>
+          <a:effectRef idx="0">
+            <a:schemeClr val="dk1"/>
+          </a:effectRef>
+          <a:fontRef idx="minor">
+            <a:schemeClr val="tx1"/>
+          </a:fontRef>
+        </p:style>
+      </p:cxnSp>
+      <p:pic>
+        <p:nvPicPr>
+          <p:cNvPr id="29" name="Picture 2">
+            <a:extLst>
+              <a:ext uri="{FF2B5EF4-FFF2-40B4-BE49-F238E27FC236}">
+                <a16:creationId xmlns:a16="http://schemas.microsoft.com/office/drawing/2014/main" id="{3A8357C6-C66F-394C-88B3-5A3C7676A4AD}"/>
+              </a:ext>
+            </a:extLst>
+          </p:cNvPr>
+          <p:cNvPicPr>
+            <a:picLocks noChangeAspect="1" noChangeArrowheads="1"/>
+          </p:cNvPicPr>
+          <p:nvPr/>
+        </p:nvPicPr>
+        <p:blipFill>
+          <a:blip r:embed="rId5">
+            <a:extLst>
+              <a:ext uri="{28A0092B-C50C-407E-A947-70E740481C1C}">
+                <a14:useLocalDpi xmlns:a14="http://schemas.microsoft.com/office/drawing/2010/main" val="0"/>
+              </a:ext>
+            </a:extLst>
+          </a:blip>
+          <a:srcRect/>
+          <a:stretch>
+            <a:fillRect/>
+          </a:stretch>
+        </p:blipFill>
+        <p:spPr bwMode="auto">
+          <a:xfrm>
+            <a:off x="7729913" y="2222232"/>
+            <a:ext cx="824312" cy="932939"/>
+          </a:xfrm>
+          <a:prstGeom prst="rect">
+            <a:avLst/>
+          </a:prstGeom>
+          <a:ln w="41275">
+            <a:solidFill>
+              <a:schemeClr val="accent4">
+                <a:lumMod val="50000"/>
+              </a:schemeClr>
+            </a:solidFill>
+            <a:tailEnd type="triangle"/>
+          </a:ln>
+          <a:extLst>
+            <a:ext uri="{909E8E84-426E-40DD-AFC4-6F175D3DCCD1}">
+              <a14:hiddenFill xmlns:a14="http://schemas.microsoft.com/office/drawing/2010/main">
+                <a:solidFill>
+                  <a:srgbClr val="FFFFFF"/>
+                </a:solidFill>
+              </a14:hiddenFill>
+            </a:ext>
+          </a:extLst>
+        </p:spPr>
+      </p:pic>
+      <p:cxnSp>
+        <p:nvCxnSpPr>
+          <p:cNvPr id="32" name="Straight Arrow Connector 31">
+            <a:extLst>
+              <a:ext uri="{FF2B5EF4-FFF2-40B4-BE49-F238E27FC236}">
+                <a16:creationId xmlns:a16="http://schemas.microsoft.com/office/drawing/2014/main" id="{FE75A43D-AF0A-CD4F-9B3F-AF70EC16D435}"/>
+              </a:ext>
+            </a:extLst>
+          </p:cNvPr>
+          <p:cNvCxnSpPr>
+            <a:cxnSpLocks/>
+          </p:cNvCxnSpPr>
+          <p:nvPr/>
+        </p:nvCxnSpPr>
+        <p:spPr>
+          <a:xfrm flipV="1">
+            <a:off x="3889776" y="1217557"/>
+            <a:ext cx="3885498" cy="2923768"/>
+          </a:xfrm>
+          <a:prstGeom prst="straightConnector1">
+            <a:avLst/>
+          </a:prstGeom>
+          <a:ln w="41275">
+            <a:solidFill>
+              <a:schemeClr val="accent6">
+                <a:lumMod val="50000"/>
+                <a:alpha val="69000"/>
+              </a:schemeClr>
+            </a:solidFill>
+            <a:tailEnd type="triangle"/>
+          </a:ln>
+        </p:spPr>
+        <p:style>
+          <a:lnRef idx="1">
+            <a:schemeClr val="dk1"/>
+          </a:lnRef>
+          <a:fillRef idx="0">
+            <a:schemeClr val="dk1"/>
+          </a:fillRef>
+          <a:effectRef idx="0">
+            <a:schemeClr val="dk1"/>
+          </a:effectRef>
+          <a:fontRef idx="minor">
+            <a:schemeClr val="tx1"/>
+          </a:fontRef>
+        </p:style>
+      </p:cxnSp>
+      <p:cxnSp>
+        <p:nvCxnSpPr>
+          <p:cNvPr id="35" name="Straight Arrow Connector 34">
+            <a:extLst>
+              <a:ext uri="{FF2B5EF4-FFF2-40B4-BE49-F238E27FC236}">
+                <a16:creationId xmlns:a16="http://schemas.microsoft.com/office/drawing/2014/main" id="{9558DC37-E405-FB46-934F-6C1506813211}"/>
+              </a:ext>
+            </a:extLst>
+          </p:cNvPr>
+          <p:cNvCxnSpPr>
+            <a:cxnSpLocks/>
+          </p:cNvCxnSpPr>
+          <p:nvPr/>
+        </p:nvCxnSpPr>
+        <p:spPr>
+          <a:xfrm flipH="1">
+            <a:off x="3842505" y="928426"/>
+            <a:ext cx="4035691" cy="3033428"/>
+          </a:xfrm>
+          <a:prstGeom prst="straightConnector1">
+            <a:avLst/>
+          </a:prstGeom>
+          <a:ln w="41275">
+            <a:solidFill>
+              <a:schemeClr val="accent6">
+                <a:lumMod val="50000"/>
+                <a:alpha val="69000"/>
+              </a:schemeClr>
+            </a:solidFill>
+            <a:tailEnd type="triangle"/>
+          </a:ln>
+        </p:spPr>
+        <p:style>
+          <a:lnRef idx="1">
+            <a:schemeClr val="dk1"/>
+          </a:lnRef>
+          <a:fillRef idx="0">
+            <a:schemeClr val="dk1"/>
+          </a:fillRef>
+          <a:effectRef idx="0">
+            <a:schemeClr val="dk1"/>
+          </a:effectRef>
+          <a:fontRef idx="minor">
+            <a:schemeClr val="tx1"/>
+          </a:fontRef>
+        </p:style>
+      </p:cxnSp>
+      <p:pic>
+        <p:nvPicPr>
+          <p:cNvPr id="21" name="Picture 20">
+            <a:extLst>
+              <a:ext uri="{FF2B5EF4-FFF2-40B4-BE49-F238E27FC236}">
+                <a16:creationId xmlns:a16="http://schemas.microsoft.com/office/drawing/2014/main" id="{AE589D49-D6E5-C544-B3CB-36E540ECAF03}"/>
+              </a:ext>
+            </a:extLst>
+          </p:cNvPr>
+          <p:cNvPicPr>
+            <a:picLocks noChangeAspect="1"/>
+          </p:cNvPicPr>
+          <p:nvPr/>
+        </p:nvPicPr>
+        <p:blipFill>
+          <a:blip r:embed="rId4"/>
+          <a:stretch>
+            <a:fillRect/>
+          </a:stretch>
+        </p:blipFill>
+        <p:spPr>
+          <a:xfrm flipH="1">
+            <a:off x="6605195" y="1644068"/>
+            <a:ext cx="322516" cy="298658"/>
+          </a:xfrm>
+          <a:prstGeom prst="rect">
+            <a:avLst/>
+          </a:prstGeom>
+        </p:spPr>
+      </p:pic>
+    </p:spTree>
+    <p:extLst>
+      <p:ext uri="{BB962C8B-B14F-4D97-AF65-F5344CB8AC3E}">
+        <p14:creationId xmlns:p14="http://schemas.microsoft.com/office/powerpoint/2010/main" val="684687799"/>
+      </p:ext>
+    </p:extLst>
+  </p:cSld>
+  <p:clrMapOvr>
+    <a:masterClrMapping/>
+  </p:clrMapOvr>
+  <p:timing>
+    <p:tnLst>
+      <p:par>
+        <p:cTn id="1" dur="indefinite" restart="never" nodeType="tmRoot">
+          <p:childTnLst>
+            <p:seq concurrent="1" nextAc="seek">
+              <p:cTn id="2" dur="indefinite" nodeType="mainSeq">
+                <p:childTnLst>
+                  <p:par>
+                    <p:cTn id="3" fill="hold">
+                      <p:stCondLst>
+                        <p:cond delay="indefinite"/>
+                      </p:stCondLst>
+                      <p:childTnLst>
+                        <p:par>
+                          <p:cTn id="4" fill="hold">
+                            <p:stCondLst>
+                              <p:cond delay="0"/>
+                            </p:stCondLst>
+                            <p:childTnLst>
+                              <p:par>
+                                <p:cTn id="5" presetID="1" presetClass="entr" presetSubtype="0" fill="hold" nodeType="clickEffect">
+                                  <p:stCondLst>
+                                    <p:cond delay="0"/>
+                                  </p:stCondLst>
+                                  <p:childTnLst>
+                                    <p:set>
+                                      <p:cBhvr>
+                                        <p:cTn id="6" dur="1" fill="hold">
+                                          <p:stCondLst>
+                                            <p:cond delay="0"/>
+                                          </p:stCondLst>
+                                        </p:cTn>
+                                        <p:tgtEl>
+                                          <p:spTgt spid="19"/>
+                                        </p:tgtEl>
+                                        <p:attrNameLst>
+                                          <p:attrName>style.visibility</p:attrName>
+                                        </p:attrNameLst>
+                                      </p:cBhvr>
+                                      <p:to>
+                                        <p:strVal val="visible"/>
+                                      </p:to>
+                                    </p:set>
+                                  </p:childTnLst>
+                                </p:cTn>
+                              </p:par>
+                              <p:par>
+                                <p:cTn id="7" presetID="1" presetClass="entr" presetSubtype="0" fill="hold" nodeType="withEffect">
+                                  <p:stCondLst>
+                                    <p:cond delay="0"/>
+                                  </p:stCondLst>
+                                  <p:childTnLst>
+                                    <p:set>
+                                      <p:cBhvr>
+                                        <p:cTn id="8" dur="1" fill="hold">
+                                          <p:stCondLst>
+                                            <p:cond delay="0"/>
+                                          </p:stCondLst>
+                                        </p:cTn>
+                                        <p:tgtEl>
+                                          <p:spTgt spid="18"/>
+                                        </p:tgtEl>
+                                        <p:attrNameLst>
+                                          <p:attrName>style.visibility</p:attrName>
+                                        </p:attrNameLst>
+                                      </p:cBhvr>
+                                      <p:to>
+                                        <p:strVal val="visible"/>
+                                      </p:to>
+                                    </p:set>
+                                  </p:childTnLst>
+                                </p:cTn>
+                              </p:par>
+                              <p:par>
+                                <p:cTn id="9" presetID="1" presetClass="entr" presetSubtype="0" fill="hold" nodeType="withEffect">
+                                  <p:stCondLst>
+                                    <p:cond delay="0"/>
+                                  </p:stCondLst>
+                                  <p:childTnLst>
+                                    <p:set>
+                                      <p:cBhvr>
+                                        <p:cTn id="10" dur="1" fill="hold">
+                                          <p:stCondLst>
+                                            <p:cond delay="0"/>
+                                          </p:stCondLst>
+                                        </p:cTn>
+                                        <p:tgtEl>
+                                          <p:spTgt spid="21"/>
+                                        </p:tgtEl>
+                                        <p:attrNameLst>
+                                          <p:attrName>style.visibility</p:attrName>
+                                        </p:attrNameLst>
+                                      </p:cBhvr>
+                                      <p:to>
+                                        <p:strVal val="visible"/>
+                                      </p:to>
+                                    </p:set>
+                                  </p:childTnLst>
+                                </p:cTn>
+                              </p:par>
+                              <p:par>
+                                <p:cTn id="11" presetID="1" presetClass="entr" presetSubtype="0" fill="hold" nodeType="withEffect">
+                                  <p:stCondLst>
+                                    <p:cond delay="0"/>
+                                  </p:stCondLst>
+                                  <p:childTnLst>
+                                    <p:set>
+                                      <p:cBhvr>
+                                        <p:cTn id="12" dur="1" fill="hold">
+                                          <p:stCondLst>
+                                            <p:cond delay="0"/>
+                                          </p:stCondLst>
+                                        </p:cTn>
+                                        <p:tgtEl>
+                                          <p:spTgt spid="20"/>
+                                        </p:tgtEl>
+                                        <p:attrNameLst>
+                                          <p:attrName>style.visibility</p:attrName>
+                                        </p:attrNameLst>
+                                      </p:cBhvr>
+                                      <p:to>
+                                        <p:strVal val="visible"/>
+                                      </p:to>
+                                    </p:set>
+                                  </p:childTnLst>
+                                </p:cTn>
+                              </p:par>
+                            </p:childTnLst>
+                          </p:cTn>
+                        </p:par>
+                      </p:childTnLst>
+                    </p:cTn>
+                  </p:par>
+                  <p:par>
+                    <p:cTn id="13" fill="hold">
+                      <p:stCondLst>
+                        <p:cond delay="indefinite"/>
+                      </p:stCondLst>
+                      <p:childTnLst>
+                        <p:par>
+                          <p:cTn id="14" fill="hold">
+                            <p:stCondLst>
+                              <p:cond delay="0"/>
+                            </p:stCondLst>
+                            <p:childTnLst>
+                              <p:par>
+                                <p:cTn id="15" presetID="42" presetClass="path" presetSubtype="0" accel="50000" decel="50000" fill="hold" nodeType="clickEffect">
+                                  <p:stCondLst>
+                                    <p:cond delay="0"/>
+                                  </p:stCondLst>
+                                  <p:childTnLst>
+                                    <p:animMotion origin="layout" path="M -4.375E-6 3.7037E-6 L 0.34922 3.7037E-6 " pathEditMode="relative" rAng="0" ptsTypes="AA">
+                                      <p:cBhvr>
+                                        <p:cTn id="16" dur="1000" fill="hold"/>
+                                        <p:tgtEl>
+                                          <p:spTgt spid="20"/>
+                                        </p:tgtEl>
+                                        <p:attrNameLst>
+                                          <p:attrName>ppt_x</p:attrName>
+                                          <p:attrName>ppt_y</p:attrName>
+                                        </p:attrNameLst>
+                                      </p:cBhvr>
+                                      <p:rCtr x="17461" y="0"/>
+                                    </p:animMotion>
+                                  </p:childTnLst>
+                                </p:cTn>
+                              </p:par>
+                              <p:par>
+                                <p:cTn id="17" presetID="42" presetClass="path" presetSubtype="0" accel="50000" decel="50000" fill="hold" nodeType="withEffect">
+                                  <p:stCondLst>
+                                    <p:cond delay="0"/>
+                                  </p:stCondLst>
+                                  <p:childTnLst>
+                                    <p:animMotion origin="layout" path="M 2.91667E-6 4.44444E-6 L -0.35599 -0.00325 " pathEditMode="relative" rAng="0" ptsTypes="AA">
+                                      <p:cBhvr>
+                                        <p:cTn id="18" dur="1000" fill="hold"/>
+                                        <p:tgtEl>
+                                          <p:spTgt spid="21"/>
+                                        </p:tgtEl>
+                                        <p:attrNameLst>
+                                          <p:attrName>ppt_x</p:attrName>
+                                          <p:attrName>ppt_y</p:attrName>
+                                        </p:attrNameLst>
+                                      </p:cBhvr>
+                                      <p:rCtr x="-17799" y="-162"/>
+                                    </p:animMotion>
+                                  </p:childTnLst>
+                                </p:cTn>
+                              </p:par>
+                            </p:childTnLst>
+                          </p:cTn>
+                        </p:par>
+                      </p:childTnLst>
+                    </p:cTn>
+                  </p:par>
+                  <p:par>
+                    <p:cTn id="19" fill="hold">
+                      <p:stCondLst>
+                        <p:cond delay="indefinite"/>
+                      </p:stCondLst>
+                      <p:childTnLst>
+                        <p:par>
+                          <p:cTn id="20" fill="hold">
+                            <p:stCondLst>
+                              <p:cond delay="0"/>
+                            </p:stCondLst>
+                            <p:childTnLst>
+                              <p:par>
+                                <p:cTn id="21" presetID="1" presetClass="entr" presetSubtype="0" fill="hold" nodeType="clickEffect">
+                                  <p:stCondLst>
+                                    <p:cond delay="0"/>
+                                  </p:stCondLst>
+                                  <p:childTnLst>
+                                    <p:set>
+                                      <p:cBhvr>
+                                        <p:cTn id="22" dur="1" fill="hold">
+                                          <p:stCondLst>
+                                            <p:cond delay="0"/>
+                                          </p:stCondLst>
+                                        </p:cTn>
+                                        <p:tgtEl>
+                                          <p:spTgt spid="32"/>
+                                        </p:tgtEl>
+                                        <p:attrNameLst>
+                                          <p:attrName>style.visibility</p:attrName>
+                                        </p:attrNameLst>
+                                      </p:cBhvr>
+                                      <p:to>
+                                        <p:strVal val="visible"/>
+                                      </p:to>
+                                    </p:set>
+                                  </p:childTnLst>
+                                </p:cTn>
+                              </p:par>
+                            </p:childTnLst>
+                          </p:cTn>
+                        </p:par>
+                      </p:childTnLst>
+                    </p:cTn>
+                  </p:par>
+                  <p:par>
+                    <p:cTn id="23" fill="hold">
+                      <p:stCondLst>
+                        <p:cond delay="indefinite"/>
+                      </p:stCondLst>
+                      <p:childTnLst>
+                        <p:par>
+                          <p:cTn id="24" fill="hold">
+                            <p:stCondLst>
+                              <p:cond delay="0"/>
+                            </p:stCondLst>
+                            <p:childTnLst>
+                              <p:par>
+                                <p:cTn id="25" presetID="1" presetClass="entr" presetSubtype="0" fill="hold" nodeType="clickEffect">
+                                  <p:stCondLst>
+                                    <p:cond delay="0"/>
+                                  </p:stCondLst>
+                                  <p:childTnLst>
+                                    <p:set>
+                                      <p:cBhvr>
+                                        <p:cTn id="26" dur="1" fill="hold">
+                                          <p:stCondLst>
+                                            <p:cond delay="0"/>
+                                          </p:stCondLst>
+                                        </p:cTn>
+                                        <p:tgtEl>
+                                          <p:spTgt spid="35"/>
+                                        </p:tgtEl>
+                                        <p:attrNameLst>
+                                          <p:attrName>style.visibility</p:attrName>
+                                        </p:attrNameLst>
+                                      </p:cBhvr>
+                                      <p:to>
+                                        <p:strVal val="visible"/>
+                                      </p:to>
+                                    </p:set>
+                                  </p:childTnLst>
+                                </p:cTn>
+                              </p:par>
+                            </p:childTnLst>
+                          </p:cTn>
+                        </p:par>
+                      </p:childTnLst>
+                    </p:cTn>
+                  </p:par>
+                </p:childTnLst>
+              </p:cTn>
+              <p:prevCondLst>
+                <p:cond evt="onPrev" delay="0">
+                  <p:tgtEl>
+                    <p:sldTgt/>
+                  </p:tgtEl>
+                </p:cond>
+              </p:prevCondLst>
+              <p:nextCondLst>
+                <p:cond evt="onNext" delay="0">
+                  <p:tgtEl>
+                    <p:sldTgt/>
+                  </p:tgtEl>
+                </p:cond>
+              </p:nextCondLst>
+            </p:seq>
+          </p:childTnLst>
+        </p:cTn>
+      </p:par>
+    </p:tnLst>
+  </p:timing>
 </p:sld>
 </file>
 
